--- a/project2.pptx
+++ b/project2.pptx
@@ -6,8 +6,32 @@
   </p:sldMasterIdLst>
   <p:sldIdLst>
     <p:sldId id="257" r:id="rId2"/>
-    <p:sldId id="256" r:id="rId3"/>
-    <p:sldId id="258" r:id="rId4"/>
+    <p:sldId id="258" r:id="rId3"/>
+    <p:sldId id="259" r:id="rId4"/>
+    <p:sldId id="260" r:id="rId5"/>
+    <p:sldId id="261" r:id="rId6"/>
+    <p:sldId id="262" r:id="rId7"/>
+    <p:sldId id="263" r:id="rId8"/>
+    <p:sldId id="264" r:id="rId9"/>
+    <p:sldId id="265" r:id="rId10"/>
+    <p:sldId id="266" r:id="rId11"/>
+    <p:sldId id="267" r:id="rId12"/>
+    <p:sldId id="268" r:id="rId13"/>
+    <p:sldId id="269" r:id="rId14"/>
+    <p:sldId id="270" r:id="rId15"/>
+    <p:sldId id="271" r:id="rId16"/>
+    <p:sldId id="272" r:id="rId17"/>
+    <p:sldId id="273" r:id="rId18"/>
+    <p:sldId id="274" r:id="rId19"/>
+    <p:sldId id="275" r:id="rId20"/>
+    <p:sldId id="276" r:id="rId21"/>
+    <p:sldId id="277" r:id="rId22"/>
+    <p:sldId id="278" r:id="rId23"/>
+    <p:sldId id="279" r:id="rId24"/>
+    <p:sldId id="280" r:id="rId25"/>
+    <p:sldId id="281" r:id="rId26"/>
+    <p:sldId id="282" r:id="rId27"/>
+    <p:sldId id="283" r:id="rId28"/>
   </p:sldIdLst>
   <p:sldSz cx="12192000" cy="6858000"/>
   <p:notesSz cx="6858000" cy="9144000"/>
@@ -106,6 +130,11 @@
       </a:defRPr>
     </a:lvl9pPr>
   </p:defaultTextStyle>
+  <p:extLst>
+    <p:ext uri="{EFAFB233-063F-42B5-8137-9DF3F51BA10A}">
+      <p15:sldGuideLst xmlns:p15="http://schemas.microsoft.com/office/powerpoint/2012/main"/>
+    </p:ext>
+  </p:extLst>
 </p:presentation>
 </file>
 
@@ -3037,15 +3066,7 @@
             </a:r>
             <a:r>
               <a:rPr lang="en-US" dirty="0" smtClean="0"/>
-              <a:t>nformation: 	pages with clothes and accessories and </a:t>
-            </a:r>
-            <a:r>
-              <a:rPr lang="en-US" dirty="0" smtClean="0"/>
-              <a:t>with 				information about the brand</a:t>
-            </a:r>
-            <a:r>
-              <a:rPr lang="en-US" dirty="0" smtClean="0"/>
-              <a:t> </a:t>
+              <a:t>nformation: 	pages with clothes and accessories and with 				information about the brand </a:t>
             </a:r>
             <a:endParaRPr lang="ru-RU" dirty="0"/>
           </a:p>
@@ -3055,6 +3076,1372 @@
     <p:extLst>
       <p:ext uri="{BB962C8B-B14F-4D97-AF65-F5344CB8AC3E}">
         <p14:creationId xmlns:p14="http://schemas.microsoft.com/office/powerpoint/2010/main" val="3022750028"/>
+      </p:ext>
+    </p:extLst>
+  </p:cSld>
+  <p:clrMapOvr>
+    <a:masterClrMapping/>
+  </p:clrMapOvr>
+</p:sld>
+</file>
+
+<file path=ppt/slides/slide10.xml><?xml version="1.0" encoding="utf-8"?>
+<p:sld xmlns:a="http://schemas.openxmlformats.org/drawingml/2006/main" xmlns:r="http://schemas.openxmlformats.org/officeDocument/2006/relationships" xmlns:p="http://schemas.openxmlformats.org/presentationml/2006/main">
+  <p:cSld>
+    <p:spTree>
+      <p:nvGrpSpPr>
+        <p:cNvPr id="1" name=""/>
+        <p:cNvGrpSpPr/>
+        <p:nvPr/>
+      </p:nvGrpSpPr>
+      <p:grpSpPr>
+        <a:xfrm>
+          <a:off x="0" y="0"/>
+          <a:ext cx="0" cy="0"/>
+          <a:chOff x="0" y="0"/>
+          <a:chExt cx="0" cy="0"/>
+        </a:xfrm>
+      </p:grpSpPr>
+      <p:sp>
+        <p:nvSpPr>
+          <p:cNvPr id="2" name="Заголовок 1"/>
+          <p:cNvSpPr>
+            <a:spLocks noGrp="1"/>
+          </p:cNvSpPr>
+          <p:nvPr>
+            <p:ph type="title"/>
+          </p:nvPr>
+        </p:nvSpPr>
+        <p:spPr/>
+        <p:txBody>
+          <a:bodyPr>
+            <a:normAutofit/>
+          </a:bodyPr>
+          <a:lstStyle/>
+          <a:p>
+            <a:r>
+              <a:rPr lang="en-US" sz="3200" i="1" dirty="0" smtClean="0"/>
+              <a:t>Contact us: html and </a:t>
+            </a:r>
+            <a:r>
+              <a:rPr lang="en-US" sz="3200" i="1" dirty="0" err="1" smtClean="0"/>
+              <a:t>css</a:t>
+            </a:r>
+            <a:r>
+              <a:rPr lang="en-US" sz="3200" i="1" dirty="0" smtClean="0"/>
+              <a:t> code</a:t>
+            </a:r>
+            <a:endParaRPr lang="ru-RU" sz="3200" i="1" dirty="0"/>
+          </a:p>
+        </p:txBody>
+      </p:sp>
+      <p:sp>
+        <p:nvSpPr>
+          <p:cNvPr id="3" name="Объект 2"/>
+          <p:cNvSpPr>
+            <a:spLocks noGrp="1"/>
+          </p:cNvSpPr>
+          <p:nvPr>
+            <p:ph idx="1"/>
+          </p:nvPr>
+        </p:nvSpPr>
+        <p:spPr/>
+        <p:txBody>
+          <a:bodyPr/>
+          <a:lstStyle/>
+          <a:p>
+            <a:endParaRPr lang="ru-RU"/>
+          </a:p>
+        </p:txBody>
+      </p:sp>
+      <p:pic>
+        <p:nvPicPr>
+          <p:cNvPr id="4" name="Рисунок 3"/>
+          <p:cNvPicPr>
+            <a:picLocks noChangeAspect="1"/>
+          </p:cNvPicPr>
+          <p:nvPr/>
+        </p:nvPicPr>
+        <p:blipFill>
+          <a:blip r:embed="rId2"/>
+          <a:stretch>
+            <a:fillRect/>
+          </a:stretch>
+        </p:blipFill>
+        <p:spPr>
+          <a:xfrm>
+            <a:off x="9588476" y="4001294"/>
+            <a:ext cx="2295525" cy="2447925"/>
+          </a:xfrm>
+          <a:prstGeom prst="rect">
+            <a:avLst/>
+          </a:prstGeom>
+        </p:spPr>
+      </p:pic>
+      <p:pic>
+        <p:nvPicPr>
+          <p:cNvPr id="5" name="Рисунок 4"/>
+          <p:cNvPicPr>
+            <a:picLocks noChangeAspect="1"/>
+          </p:cNvPicPr>
+          <p:nvPr/>
+        </p:nvPicPr>
+        <p:blipFill>
+          <a:blip r:embed="rId3"/>
+          <a:stretch>
+            <a:fillRect/>
+          </a:stretch>
+        </p:blipFill>
+        <p:spPr>
+          <a:xfrm>
+            <a:off x="561975" y="2191544"/>
+            <a:ext cx="8496300" cy="4257675"/>
+          </a:xfrm>
+          <a:prstGeom prst="rect">
+            <a:avLst/>
+          </a:prstGeom>
+        </p:spPr>
+      </p:pic>
+    </p:spTree>
+    <p:extLst>
+      <p:ext uri="{BB962C8B-B14F-4D97-AF65-F5344CB8AC3E}">
+        <p14:creationId xmlns:p14="http://schemas.microsoft.com/office/powerpoint/2010/main" val="3630003245"/>
+      </p:ext>
+    </p:extLst>
+  </p:cSld>
+  <p:clrMapOvr>
+    <a:masterClrMapping/>
+  </p:clrMapOvr>
+</p:sld>
+</file>
+
+<file path=ppt/slides/slide11.xml><?xml version="1.0" encoding="utf-8"?>
+<p:sld xmlns:a="http://schemas.openxmlformats.org/drawingml/2006/main" xmlns:r="http://schemas.openxmlformats.org/officeDocument/2006/relationships" xmlns:p="http://schemas.openxmlformats.org/presentationml/2006/main">
+  <p:cSld>
+    <p:spTree>
+      <p:nvGrpSpPr>
+        <p:cNvPr id="1" name=""/>
+        <p:cNvGrpSpPr/>
+        <p:nvPr/>
+      </p:nvGrpSpPr>
+      <p:grpSpPr>
+        <a:xfrm>
+          <a:off x="0" y="0"/>
+          <a:ext cx="0" cy="0"/>
+          <a:chOff x="0" y="0"/>
+          <a:chExt cx="0" cy="0"/>
+        </a:xfrm>
+      </p:grpSpPr>
+      <p:sp>
+        <p:nvSpPr>
+          <p:cNvPr id="2" name="Заголовок 1"/>
+          <p:cNvSpPr>
+            <a:spLocks noGrp="1"/>
+          </p:cNvSpPr>
+          <p:nvPr>
+            <p:ph type="title"/>
+          </p:nvPr>
+        </p:nvSpPr>
+        <p:spPr/>
+        <p:txBody>
+          <a:bodyPr/>
+          <a:lstStyle/>
+          <a:p>
+            <a:r>
+              <a:rPr lang="en-US" sz="3200" i="1" dirty="0" smtClean="0"/>
+              <a:t>Tables</a:t>
+            </a:r>
+            <a:r>
+              <a:rPr lang="en-US" dirty="0" smtClean="0"/>
+              <a:t> </a:t>
+            </a:r>
+            <a:endParaRPr lang="ru-RU" dirty="0"/>
+          </a:p>
+        </p:txBody>
+      </p:sp>
+      <p:sp>
+        <p:nvSpPr>
+          <p:cNvPr id="3" name="Объект 2"/>
+          <p:cNvSpPr>
+            <a:spLocks noGrp="1"/>
+          </p:cNvSpPr>
+          <p:nvPr>
+            <p:ph idx="1"/>
+          </p:nvPr>
+        </p:nvSpPr>
+        <p:spPr/>
+        <p:txBody>
+          <a:bodyPr/>
+          <a:lstStyle/>
+          <a:p>
+            <a:endParaRPr lang="ru-RU"/>
+          </a:p>
+        </p:txBody>
+      </p:sp>
+      <p:pic>
+        <p:nvPicPr>
+          <p:cNvPr id="4" name="Рисунок 3"/>
+          <p:cNvPicPr>
+            <a:picLocks noChangeAspect="1"/>
+          </p:cNvPicPr>
+          <p:nvPr/>
+        </p:nvPicPr>
+        <p:blipFill>
+          <a:blip r:embed="rId2"/>
+          <a:stretch>
+            <a:fillRect/>
+          </a:stretch>
+        </p:blipFill>
+        <p:spPr>
+          <a:xfrm>
+            <a:off x="1539993" y="1825625"/>
+            <a:ext cx="8429625" cy="3771900"/>
+          </a:xfrm>
+          <a:prstGeom prst="rect">
+            <a:avLst/>
+          </a:prstGeom>
+        </p:spPr>
+      </p:pic>
+    </p:spTree>
+    <p:extLst>
+      <p:ext uri="{BB962C8B-B14F-4D97-AF65-F5344CB8AC3E}">
+        <p14:creationId xmlns:p14="http://schemas.microsoft.com/office/powerpoint/2010/main" val="2341588602"/>
+      </p:ext>
+    </p:extLst>
+  </p:cSld>
+  <p:clrMapOvr>
+    <a:masterClrMapping/>
+  </p:clrMapOvr>
+</p:sld>
+</file>
+
+<file path=ppt/slides/slide12.xml><?xml version="1.0" encoding="utf-8"?>
+<p:sld xmlns:a="http://schemas.openxmlformats.org/drawingml/2006/main" xmlns:r="http://schemas.openxmlformats.org/officeDocument/2006/relationships" xmlns:p="http://schemas.openxmlformats.org/presentationml/2006/main">
+  <p:cSld>
+    <p:spTree>
+      <p:nvGrpSpPr>
+        <p:cNvPr id="1" name=""/>
+        <p:cNvGrpSpPr/>
+        <p:nvPr/>
+      </p:nvGrpSpPr>
+      <p:grpSpPr>
+        <a:xfrm>
+          <a:off x="0" y="0"/>
+          <a:ext cx="0" cy="0"/>
+          <a:chOff x="0" y="0"/>
+          <a:chExt cx="0" cy="0"/>
+        </a:xfrm>
+      </p:grpSpPr>
+      <p:sp>
+        <p:nvSpPr>
+          <p:cNvPr id="2" name="Заголовок 1"/>
+          <p:cNvSpPr>
+            <a:spLocks noGrp="1"/>
+          </p:cNvSpPr>
+          <p:nvPr>
+            <p:ph type="title"/>
+          </p:nvPr>
+        </p:nvSpPr>
+        <p:spPr/>
+        <p:txBody>
+          <a:bodyPr/>
+          <a:lstStyle/>
+          <a:p>
+            <a:r>
+              <a:rPr lang="en-US" dirty="0" smtClean="0"/>
+              <a:t>					</a:t>
+            </a:r>
+            <a:r>
+              <a:rPr lang="en-US" sz="3600" i="1" dirty="0" smtClean="0"/>
+              <a:t>tables html and </a:t>
+            </a:r>
+            <a:r>
+              <a:rPr lang="en-US" sz="3600" i="1" dirty="0" err="1" smtClean="0"/>
+              <a:t>css</a:t>
+            </a:r>
+            <a:r>
+              <a:rPr lang="en-US" sz="3600" i="1" dirty="0" smtClean="0"/>
+              <a:t> code</a:t>
+            </a:r>
+            <a:endParaRPr lang="ru-RU" sz="3600" i="1" dirty="0"/>
+          </a:p>
+        </p:txBody>
+      </p:sp>
+      <p:sp>
+        <p:nvSpPr>
+          <p:cNvPr id="3" name="Объект 2"/>
+          <p:cNvSpPr>
+            <a:spLocks noGrp="1"/>
+          </p:cNvSpPr>
+          <p:nvPr>
+            <p:ph idx="1"/>
+          </p:nvPr>
+        </p:nvSpPr>
+        <p:spPr/>
+        <p:txBody>
+          <a:bodyPr/>
+          <a:lstStyle/>
+          <a:p>
+            <a:endParaRPr lang="ru-RU"/>
+          </a:p>
+        </p:txBody>
+      </p:sp>
+      <p:pic>
+        <p:nvPicPr>
+          <p:cNvPr id="4" name="Рисунок 3"/>
+          <p:cNvPicPr>
+            <a:picLocks noChangeAspect="1"/>
+          </p:cNvPicPr>
+          <p:nvPr/>
+        </p:nvPicPr>
+        <p:blipFill>
+          <a:blip r:embed="rId2"/>
+          <a:stretch>
+            <a:fillRect/>
+          </a:stretch>
+        </p:blipFill>
+        <p:spPr>
+          <a:xfrm>
+            <a:off x="494233" y="716507"/>
+            <a:ext cx="4543425" cy="5943600"/>
+          </a:xfrm>
+          <a:prstGeom prst="rect">
+            <a:avLst/>
+          </a:prstGeom>
+        </p:spPr>
+      </p:pic>
+      <p:pic>
+        <p:nvPicPr>
+          <p:cNvPr id="5" name="Рисунок 4"/>
+          <p:cNvPicPr>
+            <a:picLocks noChangeAspect="1"/>
+          </p:cNvPicPr>
+          <p:nvPr/>
+        </p:nvPicPr>
+        <p:blipFill>
+          <a:blip r:embed="rId3"/>
+          <a:stretch>
+            <a:fillRect/>
+          </a:stretch>
+        </p:blipFill>
+        <p:spPr>
+          <a:xfrm>
+            <a:off x="7888335" y="4001294"/>
+            <a:ext cx="1628775" cy="485775"/>
+          </a:xfrm>
+          <a:prstGeom prst="rect">
+            <a:avLst/>
+          </a:prstGeom>
+        </p:spPr>
+      </p:pic>
+    </p:spTree>
+    <p:extLst>
+      <p:ext uri="{BB962C8B-B14F-4D97-AF65-F5344CB8AC3E}">
+        <p14:creationId xmlns:p14="http://schemas.microsoft.com/office/powerpoint/2010/main" val="1022061199"/>
+      </p:ext>
+    </p:extLst>
+  </p:cSld>
+  <p:clrMapOvr>
+    <a:masterClrMapping/>
+  </p:clrMapOvr>
+</p:sld>
+</file>
+
+<file path=ppt/slides/slide13.xml><?xml version="1.0" encoding="utf-8"?>
+<p:sld xmlns:a="http://schemas.openxmlformats.org/drawingml/2006/main" xmlns:r="http://schemas.openxmlformats.org/officeDocument/2006/relationships" xmlns:p="http://schemas.openxmlformats.org/presentationml/2006/main">
+  <p:cSld>
+    <p:spTree>
+      <p:nvGrpSpPr>
+        <p:cNvPr id="1" name=""/>
+        <p:cNvGrpSpPr/>
+        <p:nvPr/>
+      </p:nvGrpSpPr>
+      <p:grpSpPr>
+        <a:xfrm>
+          <a:off x="0" y="0"/>
+          <a:ext cx="0" cy="0"/>
+          <a:chOff x="0" y="0"/>
+          <a:chExt cx="0" cy="0"/>
+        </a:xfrm>
+      </p:grpSpPr>
+      <p:sp>
+        <p:nvSpPr>
+          <p:cNvPr id="2" name="Заголовок 1"/>
+          <p:cNvSpPr>
+            <a:spLocks noGrp="1"/>
+          </p:cNvSpPr>
+          <p:nvPr>
+            <p:ph type="title"/>
+          </p:nvPr>
+        </p:nvSpPr>
+        <p:spPr/>
+        <p:txBody>
+          <a:bodyPr>
+            <a:normAutofit fontScale="90000"/>
+          </a:bodyPr>
+          <a:lstStyle/>
+          <a:p>
+            <a:r>
+              <a:rPr lang="en-US" sz="3200" u="sng" dirty="0"/>
+              <a:t>4)In your project you should have at least five buttons and two tables. They should have bootstrap classes</a:t>
+            </a:r>
+            <a:r>
+              <a:rPr lang="en-US" sz="3200" u="sng" dirty="0" smtClean="0"/>
+              <a:t>.</a:t>
+            </a:r>
+            <a:br>
+              <a:rPr lang="en-US" sz="3200" u="sng" dirty="0" smtClean="0"/>
+            </a:br>
+            <a:r>
+              <a:rPr lang="en-US" sz="3200" i="1" dirty="0" smtClean="0"/>
+              <a:t>buttons</a:t>
+            </a:r>
+            <a:endParaRPr lang="ru-RU" sz="3200" u="sng" dirty="0"/>
+          </a:p>
+        </p:txBody>
+      </p:sp>
+      <p:pic>
+        <p:nvPicPr>
+          <p:cNvPr id="7" name="Объект 6"/>
+          <p:cNvPicPr>
+            <a:picLocks noGrp="1" noChangeAspect="1"/>
+          </p:cNvPicPr>
+          <p:nvPr>
+            <p:ph idx="1"/>
+          </p:nvPr>
+        </p:nvPicPr>
+        <p:blipFill rotWithShape="1">
+          <a:blip r:embed="rId2"/>
+          <a:srcRect l="53773" t="13894" r="9020" b="80077"/>
+          <a:stretch/>
+        </p:blipFill>
+        <p:spPr>
+          <a:xfrm>
+            <a:off x="4953893" y="4586286"/>
+            <a:ext cx="6117682" cy="557378"/>
+          </a:xfrm>
+          <a:prstGeom prst="rect">
+            <a:avLst/>
+          </a:prstGeom>
+        </p:spPr>
+      </p:pic>
+      <p:pic>
+        <p:nvPicPr>
+          <p:cNvPr id="4" name="Рисунок 3"/>
+          <p:cNvPicPr>
+            <a:picLocks noChangeAspect="1"/>
+          </p:cNvPicPr>
+          <p:nvPr/>
+        </p:nvPicPr>
+        <p:blipFill>
+          <a:blip r:embed="rId3"/>
+          <a:stretch>
+            <a:fillRect/>
+          </a:stretch>
+        </p:blipFill>
+        <p:spPr>
+          <a:xfrm>
+            <a:off x="766762" y="2318342"/>
+            <a:ext cx="10658475" cy="638175"/>
+          </a:xfrm>
+          <a:prstGeom prst="rect">
+            <a:avLst/>
+          </a:prstGeom>
+        </p:spPr>
+      </p:pic>
+      <p:pic>
+        <p:nvPicPr>
+          <p:cNvPr id="5" name="Рисунок 4"/>
+          <p:cNvPicPr>
+            <a:picLocks noChangeAspect="1"/>
+          </p:cNvPicPr>
+          <p:nvPr/>
+        </p:nvPicPr>
+        <p:blipFill>
+          <a:blip r:embed="rId4"/>
+          <a:stretch>
+            <a:fillRect/>
+          </a:stretch>
+        </p:blipFill>
+        <p:spPr>
+          <a:xfrm>
+            <a:off x="211659" y="3987017"/>
+            <a:ext cx="3234277" cy="1410837"/>
+          </a:xfrm>
+          <a:prstGeom prst="rect">
+            <a:avLst/>
+          </a:prstGeom>
+        </p:spPr>
+      </p:pic>
+      <p:pic>
+        <p:nvPicPr>
+          <p:cNvPr id="6" name="Рисунок 5"/>
+          <p:cNvPicPr>
+            <a:picLocks noChangeAspect="1"/>
+          </p:cNvPicPr>
+          <p:nvPr/>
+        </p:nvPicPr>
+        <p:blipFill rotWithShape="1">
+          <a:blip r:embed="rId5"/>
+          <a:srcRect l="7763" t="46035" r="79650" b="44263"/>
+          <a:stretch/>
+        </p:blipFill>
+        <p:spPr>
+          <a:xfrm>
+            <a:off x="532261" y="5276634"/>
+            <a:ext cx="2132577" cy="924117"/>
+          </a:xfrm>
+          <a:prstGeom prst="rect">
+            <a:avLst/>
+          </a:prstGeom>
+        </p:spPr>
+      </p:pic>
+    </p:spTree>
+    <p:extLst>
+      <p:ext uri="{BB962C8B-B14F-4D97-AF65-F5344CB8AC3E}">
+        <p14:creationId xmlns:p14="http://schemas.microsoft.com/office/powerpoint/2010/main" val="3990400"/>
+      </p:ext>
+    </p:extLst>
+  </p:cSld>
+  <p:clrMapOvr>
+    <a:masterClrMapping/>
+  </p:clrMapOvr>
+</p:sld>
+</file>
+
+<file path=ppt/slides/slide14.xml><?xml version="1.0" encoding="utf-8"?>
+<p:sld xmlns:a="http://schemas.openxmlformats.org/drawingml/2006/main" xmlns:r="http://schemas.openxmlformats.org/officeDocument/2006/relationships" xmlns:p="http://schemas.openxmlformats.org/presentationml/2006/main">
+  <p:cSld>
+    <p:spTree>
+      <p:nvGrpSpPr>
+        <p:cNvPr id="1" name=""/>
+        <p:cNvGrpSpPr/>
+        <p:nvPr/>
+      </p:nvGrpSpPr>
+      <p:grpSpPr>
+        <a:xfrm>
+          <a:off x="0" y="0"/>
+          <a:ext cx="0" cy="0"/>
+          <a:chOff x="0" y="0"/>
+          <a:chExt cx="0" cy="0"/>
+        </a:xfrm>
+      </p:grpSpPr>
+      <p:sp>
+        <p:nvSpPr>
+          <p:cNvPr id="2" name="Заголовок 1"/>
+          <p:cNvSpPr>
+            <a:spLocks noGrp="1"/>
+          </p:cNvSpPr>
+          <p:nvPr>
+            <p:ph type="title"/>
+          </p:nvPr>
+        </p:nvSpPr>
+        <p:spPr/>
+        <p:txBody>
+          <a:bodyPr>
+            <a:normAutofit/>
+          </a:bodyPr>
+          <a:lstStyle/>
+          <a:p>
+            <a:r>
+              <a:rPr lang="en-US" sz="2400" i="1" dirty="0" smtClean="0"/>
+              <a:t>Cart buttons html and </a:t>
+            </a:r>
+            <a:r>
+              <a:rPr lang="en-US" sz="2400" i="1" dirty="0" err="1" smtClean="0"/>
+              <a:t>css</a:t>
+            </a:r>
+            <a:r>
+              <a:rPr lang="en-US" sz="2400" i="1" dirty="0" smtClean="0"/>
+              <a:t> code</a:t>
+            </a:r>
+            <a:endParaRPr lang="ru-RU" sz="2400" i="1" dirty="0"/>
+          </a:p>
+        </p:txBody>
+      </p:sp>
+      <p:sp>
+        <p:nvSpPr>
+          <p:cNvPr id="3" name="Объект 2"/>
+          <p:cNvSpPr>
+            <a:spLocks noGrp="1"/>
+          </p:cNvSpPr>
+          <p:nvPr>
+            <p:ph idx="1"/>
+          </p:nvPr>
+        </p:nvSpPr>
+        <p:spPr/>
+        <p:txBody>
+          <a:bodyPr/>
+          <a:lstStyle/>
+          <a:p>
+            <a:endParaRPr lang="ru-RU"/>
+          </a:p>
+        </p:txBody>
+      </p:sp>
+      <p:pic>
+        <p:nvPicPr>
+          <p:cNvPr id="4" name="Рисунок 3"/>
+          <p:cNvPicPr>
+            <a:picLocks noChangeAspect="1"/>
+          </p:cNvPicPr>
+          <p:nvPr/>
+        </p:nvPicPr>
+        <p:blipFill>
+          <a:blip r:embed="rId2"/>
+          <a:stretch>
+            <a:fillRect/>
+          </a:stretch>
+        </p:blipFill>
+        <p:spPr>
+          <a:xfrm>
+            <a:off x="742665" y="1690688"/>
+            <a:ext cx="10463983" cy="1276706"/>
+          </a:xfrm>
+          <a:prstGeom prst="rect">
+            <a:avLst/>
+          </a:prstGeom>
+        </p:spPr>
+      </p:pic>
+      <p:pic>
+        <p:nvPicPr>
+          <p:cNvPr id="5" name="Рисунок 4"/>
+          <p:cNvPicPr>
+            <a:picLocks noChangeAspect="1"/>
+          </p:cNvPicPr>
+          <p:nvPr/>
+        </p:nvPicPr>
+        <p:blipFill rotWithShape="1">
+          <a:blip r:embed="rId3"/>
+          <a:srcRect b="2442"/>
+          <a:stretch/>
+        </p:blipFill>
+        <p:spPr>
+          <a:xfrm>
+            <a:off x="3855775" y="3209252"/>
+            <a:ext cx="3800617" cy="2659285"/>
+          </a:xfrm>
+          <a:prstGeom prst="rect">
+            <a:avLst/>
+          </a:prstGeom>
+        </p:spPr>
+      </p:pic>
+    </p:spTree>
+    <p:extLst>
+      <p:ext uri="{BB962C8B-B14F-4D97-AF65-F5344CB8AC3E}">
+        <p14:creationId xmlns:p14="http://schemas.microsoft.com/office/powerpoint/2010/main" val="1435001855"/>
+      </p:ext>
+    </p:extLst>
+  </p:cSld>
+  <p:clrMapOvr>
+    <a:masterClrMapping/>
+  </p:clrMapOvr>
+</p:sld>
+</file>
+
+<file path=ppt/slides/slide15.xml><?xml version="1.0" encoding="utf-8"?>
+<p:sld xmlns:a="http://schemas.openxmlformats.org/drawingml/2006/main" xmlns:r="http://schemas.openxmlformats.org/officeDocument/2006/relationships" xmlns:p="http://schemas.openxmlformats.org/presentationml/2006/main">
+  <p:cSld>
+    <p:spTree>
+      <p:nvGrpSpPr>
+        <p:cNvPr id="1" name=""/>
+        <p:cNvGrpSpPr/>
+        <p:nvPr/>
+      </p:nvGrpSpPr>
+      <p:grpSpPr>
+        <a:xfrm>
+          <a:off x="0" y="0"/>
+          <a:ext cx="0" cy="0"/>
+          <a:chOff x="0" y="0"/>
+          <a:chExt cx="0" cy="0"/>
+        </a:xfrm>
+      </p:grpSpPr>
+      <p:sp>
+        <p:nvSpPr>
+          <p:cNvPr id="2" name="Заголовок 1"/>
+          <p:cNvSpPr>
+            <a:spLocks noGrp="1"/>
+          </p:cNvSpPr>
+          <p:nvPr>
+            <p:ph type="title"/>
+          </p:nvPr>
+        </p:nvSpPr>
+        <p:spPr/>
+        <p:txBody>
+          <a:bodyPr>
+            <a:normAutofit/>
+          </a:bodyPr>
+          <a:lstStyle/>
+          <a:p>
+            <a:r>
+              <a:rPr lang="en-US" sz="2400" i="1" dirty="0" smtClean="0"/>
+              <a:t>Learn more buttons html and </a:t>
+            </a:r>
+            <a:r>
+              <a:rPr lang="en-US" sz="2400" i="1" dirty="0" err="1" smtClean="0"/>
+              <a:t>css</a:t>
+            </a:r>
+            <a:r>
+              <a:rPr lang="en-US" sz="2400" i="1" dirty="0" smtClean="0"/>
+              <a:t> codes</a:t>
+            </a:r>
+            <a:endParaRPr lang="ru-RU" sz="2400" i="1" dirty="0"/>
+          </a:p>
+        </p:txBody>
+      </p:sp>
+      <p:pic>
+        <p:nvPicPr>
+          <p:cNvPr id="5" name="Объект 4"/>
+          <p:cNvPicPr>
+            <a:picLocks noGrp="1" noChangeAspect="1"/>
+          </p:cNvPicPr>
+          <p:nvPr>
+            <p:ph idx="1"/>
+          </p:nvPr>
+        </p:nvPicPr>
+        <p:blipFill>
+          <a:blip r:embed="rId2"/>
+          <a:stretch>
+            <a:fillRect/>
+          </a:stretch>
+        </p:blipFill>
+        <p:spPr>
+          <a:xfrm>
+            <a:off x="3535908" y="3348831"/>
+            <a:ext cx="4024952" cy="2651050"/>
+          </a:xfrm>
+          <a:prstGeom prst="rect">
+            <a:avLst/>
+          </a:prstGeom>
+        </p:spPr>
+      </p:pic>
+      <p:pic>
+        <p:nvPicPr>
+          <p:cNvPr id="4" name="Рисунок 3"/>
+          <p:cNvPicPr>
+            <a:picLocks noChangeAspect="1"/>
+          </p:cNvPicPr>
+          <p:nvPr/>
+        </p:nvPicPr>
+        <p:blipFill>
+          <a:blip r:embed="rId3"/>
+          <a:stretch>
+            <a:fillRect/>
+          </a:stretch>
+        </p:blipFill>
+        <p:spPr>
+          <a:xfrm>
+            <a:off x="1236350" y="1976639"/>
+            <a:ext cx="8740163" cy="745485"/>
+          </a:xfrm>
+          <a:prstGeom prst="rect">
+            <a:avLst/>
+          </a:prstGeom>
+        </p:spPr>
+      </p:pic>
+    </p:spTree>
+    <p:extLst>
+      <p:ext uri="{BB962C8B-B14F-4D97-AF65-F5344CB8AC3E}">
+        <p14:creationId xmlns:p14="http://schemas.microsoft.com/office/powerpoint/2010/main" val="574404177"/>
+      </p:ext>
+    </p:extLst>
+  </p:cSld>
+  <p:clrMapOvr>
+    <a:masterClrMapping/>
+  </p:clrMapOvr>
+</p:sld>
+</file>
+
+<file path=ppt/slides/slide16.xml><?xml version="1.0" encoding="utf-8"?>
+<p:sld xmlns:a="http://schemas.openxmlformats.org/drawingml/2006/main" xmlns:r="http://schemas.openxmlformats.org/officeDocument/2006/relationships" xmlns:p="http://schemas.openxmlformats.org/presentationml/2006/main">
+  <p:cSld>
+    <p:spTree>
+      <p:nvGrpSpPr>
+        <p:cNvPr id="1" name=""/>
+        <p:cNvGrpSpPr/>
+        <p:nvPr/>
+      </p:nvGrpSpPr>
+      <p:grpSpPr>
+        <a:xfrm>
+          <a:off x="0" y="0"/>
+          <a:ext cx="0" cy="0"/>
+          <a:chOff x="0" y="0"/>
+          <a:chExt cx="0" cy="0"/>
+        </a:xfrm>
+      </p:grpSpPr>
+      <p:sp>
+        <p:nvSpPr>
+          <p:cNvPr id="2" name="Заголовок 1"/>
+          <p:cNvSpPr>
+            <a:spLocks noGrp="1"/>
+          </p:cNvSpPr>
+          <p:nvPr>
+            <p:ph type="title"/>
+          </p:nvPr>
+        </p:nvSpPr>
+        <p:spPr/>
+        <p:txBody>
+          <a:bodyPr>
+            <a:normAutofit/>
+          </a:bodyPr>
+          <a:lstStyle/>
+          <a:p>
+            <a:r>
+              <a:rPr lang="en-US" sz="2400" i="1" dirty="0" smtClean="0"/>
+              <a:t>Pages link-buttons</a:t>
+            </a:r>
+            <a:endParaRPr lang="ru-RU" sz="2400" i="1" dirty="0"/>
+          </a:p>
+        </p:txBody>
+      </p:sp>
+      <p:sp>
+        <p:nvSpPr>
+          <p:cNvPr id="3" name="Объект 2"/>
+          <p:cNvSpPr>
+            <a:spLocks noGrp="1"/>
+          </p:cNvSpPr>
+          <p:nvPr>
+            <p:ph idx="1"/>
+          </p:nvPr>
+        </p:nvSpPr>
+        <p:spPr/>
+        <p:txBody>
+          <a:bodyPr/>
+          <a:lstStyle/>
+          <a:p>
+            <a:endParaRPr lang="ru-RU"/>
+          </a:p>
+        </p:txBody>
+      </p:sp>
+      <p:pic>
+        <p:nvPicPr>
+          <p:cNvPr id="4" name="Рисунок 3"/>
+          <p:cNvPicPr>
+            <a:picLocks noChangeAspect="1"/>
+          </p:cNvPicPr>
+          <p:nvPr/>
+        </p:nvPicPr>
+        <p:blipFill>
+          <a:blip r:embed="rId2"/>
+          <a:stretch>
+            <a:fillRect/>
+          </a:stretch>
+        </p:blipFill>
+        <p:spPr>
+          <a:xfrm>
+            <a:off x="48102" y="1690688"/>
+            <a:ext cx="12143898" cy="1107103"/>
+          </a:xfrm>
+          <a:prstGeom prst="rect">
+            <a:avLst/>
+          </a:prstGeom>
+        </p:spPr>
+      </p:pic>
+      <p:pic>
+        <p:nvPicPr>
+          <p:cNvPr id="5" name="Рисунок 4"/>
+          <p:cNvPicPr>
+            <a:picLocks noChangeAspect="1"/>
+          </p:cNvPicPr>
+          <p:nvPr/>
+        </p:nvPicPr>
+        <p:blipFill>
+          <a:blip r:embed="rId3"/>
+          <a:stretch>
+            <a:fillRect/>
+          </a:stretch>
+        </p:blipFill>
+        <p:spPr>
+          <a:xfrm>
+            <a:off x="1770086" y="3355073"/>
+            <a:ext cx="5586058" cy="3091655"/>
+          </a:xfrm>
+          <a:prstGeom prst="rect">
+            <a:avLst/>
+          </a:prstGeom>
+        </p:spPr>
+      </p:pic>
+    </p:spTree>
+    <p:extLst>
+      <p:ext uri="{BB962C8B-B14F-4D97-AF65-F5344CB8AC3E}">
+        <p14:creationId xmlns:p14="http://schemas.microsoft.com/office/powerpoint/2010/main" val="2697381797"/>
+      </p:ext>
+    </p:extLst>
+  </p:cSld>
+  <p:clrMapOvr>
+    <a:masterClrMapping/>
+  </p:clrMapOvr>
+</p:sld>
+</file>
+
+<file path=ppt/slides/slide17.xml><?xml version="1.0" encoding="utf-8"?>
+<p:sld xmlns:a="http://schemas.openxmlformats.org/drawingml/2006/main" xmlns:r="http://schemas.openxmlformats.org/officeDocument/2006/relationships" xmlns:p="http://schemas.openxmlformats.org/presentationml/2006/main">
+  <p:cSld>
+    <p:spTree>
+      <p:nvGrpSpPr>
+        <p:cNvPr id="1" name=""/>
+        <p:cNvGrpSpPr/>
+        <p:nvPr/>
+      </p:nvGrpSpPr>
+      <p:grpSpPr>
+        <a:xfrm>
+          <a:off x="0" y="0"/>
+          <a:ext cx="0" cy="0"/>
+          <a:chOff x="0" y="0"/>
+          <a:chExt cx="0" cy="0"/>
+        </a:xfrm>
+      </p:grpSpPr>
+      <p:sp>
+        <p:nvSpPr>
+          <p:cNvPr id="2" name="Заголовок 1"/>
+          <p:cNvSpPr>
+            <a:spLocks noGrp="1"/>
+          </p:cNvSpPr>
+          <p:nvPr>
+            <p:ph type="title"/>
+          </p:nvPr>
+        </p:nvSpPr>
+        <p:spPr/>
+        <p:txBody>
+          <a:bodyPr/>
+          <a:lstStyle/>
+          <a:p>
+            <a:r>
+              <a:rPr lang="en-US" dirty="0" smtClean="0"/>
+              <a:t>									</a:t>
+            </a:r>
+            <a:r>
+              <a:rPr lang="en-US" sz="2400" i="1" dirty="0" smtClean="0"/>
+              <a:t>tables</a:t>
+            </a:r>
+            <a:endParaRPr lang="ru-RU" i="1" dirty="0"/>
+          </a:p>
+        </p:txBody>
+      </p:sp>
+      <p:sp>
+        <p:nvSpPr>
+          <p:cNvPr id="3" name="Объект 2"/>
+          <p:cNvSpPr>
+            <a:spLocks noGrp="1"/>
+          </p:cNvSpPr>
+          <p:nvPr>
+            <p:ph idx="1"/>
+          </p:nvPr>
+        </p:nvSpPr>
+        <p:spPr/>
+        <p:txBody>
+          <a:bodyPr/>
+          <a:lstStyle/>
+          <a:p>
+            <a:endParaRPr lang="ru-RU"/>
+          </a:p>
+        </p:txBody>
+      </p:sp>
+      <p:pic>
+        <p:nvPicPr>
+          <p:cNvPr id="4" name="Рисунок 3"/>
+          <p:cNvPicPr>
+            <a:picLocks noChangeAspect="1"/>
+          </p:cNvPicPr>
+          <p:nvPr/>
+        </p:nvPicPr>
+        <p:blipFill>
+          <a:blip r:embed="rId2"/>
+          <a:stretch>
+            <a:fillRect/>
+          </a:stretch>
+        </p:blipFill>
+        <p:spPr>
+          <a:xfrm>
+            <a:off x="379933" y="0"/>
+            <a:ext cx="8429625" cy="3771900"/>
+          </a:xfrm>
+          <a:prstGeom prst="rect">
+            <a:avLst/>
+          </a:prstGeom>
+        </p:spPr>
+      </p:pic>
+      <p:pic>
+        <p:nvPicPr>
+          <p:cNvPr id="5" name="Рисунок 4"/>
+          <p:cNvPicPr>
+            <a:picLocks noChangeAspect="1"/>
+          </p:cNvPicPr>
+          <p:nvPr/>
+        </p:nvPicPr>
+        <p:blipFill>
+          <a:blip r:embed="rId3"/>
+          <a:stretch>
+            <a:fillRect/>
+          </a:stretch>
+        </p:blipFill>
+        <p:spPr>
+          <a:xfrm>
+            <a:off x="1733266" y="4001294"/>
+            <a:ext cx="8996717" cy="2631518"/>
+          </a:xfrm>
+          <a:prstGeom prst="rect">
+            <a:avLst/>
+          </a:prstGeom>
+        </p:spPr>
+      </p:pic>
+    </p:spTree>
+    <p:extLst>
+      <p:ext uri="{BB962C8B-B14F-4D97-AF65-F5344CB8AC3E}">
+        <p14:creationId xmlns:p14="http://schemas.microsoft.com/office/powerpoint/2010/main" val="1906318184"/>
+      </p:ext>
+    </p:extLst>
+  </p:cSld>
+  <p:clrMapOvr>
+    <a:masterClrMapping/>
+  </p:clrMapOvr>
+</p:sld>
+</file>
+
+<file path=ppt/slides/slide18.xml><?xml version="1.0" encoding="utf-8"?>
+<p:sld xmlns:a="http://schemas.openxmlformats.org/drawingml/2006/main" xmlns:r="http://schemas.openxmlformats.org/officeDocument/2006/relationships" xmlns:p="http://schemas.openxmlformats.org/presentationml/2006/main">
+  <p:cSld>
+    <p:spTree>
+      <p:nvGrpSpPr>
+        <p:cNvPr id="1" name=""/>
+        <p:cNvGrpSpPr/>
+        <p:nvPr/>
+      </p:nvGrpSpPr>
+      <p:grpSpPr>
+        <a:xfrm>
+          <a:off x="0" y="0"/>
+          <a:ext cx="0" cy="0"/>
+          <a:chOff x="0" y="0"/>
+          <a:chExt cx="0" cy="0"/>
+        </a:xfrm>
+      </p:grpSpPr>
+      <p:sp>
+        <p:nvSpPr>
+          <p:cNvPr id="2" name="Заголовок 1"/>
+          <p:cNvSpPr>
+            <a:spLocks noGrp="1"/>
+          </p:cNvSpPr>
+          <p:nvPr>
+            <p:ph type="title"/>
+          </p:nvPr>
+        </p:nvSpPr>
+        <p:spPr/>
+        <p:txBody>
+          <a:bodyPr>
+            <a:normAutofit/>
+          </a:bodyPr>
+          <a:lstStyle/>
+          <a:p>
+            <a:r>
+              <a:rPr lang="en-US" sz="2800" i="1" dirty="0" smtClean="0"/>
+              <a:t>Table with places made with bootstrap grid system</a:t>
+            </a:r>
+            <a:endParaRPr lang="ru-RU" sz="2800" i="1" dirty="0"/>
+          </a:p>
+        </p:txBody>
+      </p:sp>
+      <p:sp>
+        <p:nvSpPr>
+          <p:cNvPr id="3" name="Объект 2"/>
+          <p:cNvSpPr>
+            <a:spLocks noGrp="1"/>
+          </p:cNvSpPr>
+          <p:nvPr>
+            <p:ph idx="1"/>
+          </p:nvPr>
+        </p:nvSpPr>
+        <p:spPr/>
+        <p:txBody>
+          <a:bodyPr/>
+          <a:lstStyle/>
+          <a:p>
+            <a:endParaRPr lang="ru-RU"/>
+          </a:p>
+        </p:txBody>
+      </p:sp>
+      <p:pic>
+        <p:nvPicPr>
+          <p:cNvPr id="4" name="Рисунок 3"/>
+          <p:cNvPicPr>
+            <a:picLocks noChangeAspect="1"/>
+          </p:cNvPicPr>
+          <p:nvPr/>
+        </p:nvPicPr>
+        <p:blipFill>
+          <a:blip r:embed="rId2"/>
+          <a:stretch>
+            <a:fillRect/>
+          </a:stretch>
+        </p:blipFill>
+        <p:spPr>
+          <a:xfrm>
+            <a:off x="275016" y="1690688"/>
+            <a:ext cx="4583587" cy="5056235"/>
+          </a:xfrm>
+          <a:prstGeom prst="rect">
+            <a:avLst/>
+          </a:prstGeom>
+        </p:spPr>
+      </p:pic>
+    </p:spTree>
+    <p:extLst>
+      <p:ext uri="{BB962C8B-B14F-4D97-AF65-F5344CB8AC3E}">
+        <p14:creationId xmlns:p14="http://schemas.microsoft.com/office/powerpoint/2010/main" val="3239532700"/>
+      </p:ext>
+    </p:extLst>
+  </p:cSld>
+  <p:clrMapOvr>
+    <a:masterClrMapping/>
+  </p:clrMapOvr>
+</p:sld>
+</file>
+
+<file path=ppt/slides/slide19.xml><?xml version="1.0" encoding="utf-8"?>
+<p:sld xmlns:a="http://schemas.openxmlformats.org/drawingml/2006/main" xmlns:r="http://schemas.openxmlformats.org/officeDocument/2006/relationships" xmlns:p="http://schemas.openxmlformats.org/presentationml/2006/main">
+  <p:cSld>
+    <p:spTree>
+      <p:nvGrpSpPr>
+        <p:cNvPr id="1" name=""/>
+        <p:cNvGrpSpPr/>
+        <p:nvPr/>
+      </p:nvGrpSpPr>
+      <p:grpSpPr>
+        <a:xfrm>
+          <a:off x="0" y="0"/>
+          <a:ext cx="0" cy="0"/>
+          <a:chOff x="0" y="0"/>
+          <a:chExt cx="0" cy="0"/>
+        </a:xfrm>
+      </p:grpSpPr>
+      <p:sp>
+        <p:nvSpPr>
+          <p:cNvPr id="2" name="Заголовок 1"/>
+          <p:cNvSpPr>
+            <a:spLocks noGrp="1"/>
+          </p:cNvSpPr>
+          <p:nvPr>
+            <p:ph type="title"/>
+          </p:nvPr>
+        </p:nvSpPr>
+        <p:spPr/>
+        <p:txBody>
+          <a:bodyPr/>
+          <a:lstStyle/>
+          <a:p>
+            <a:r>
+              <a:rPr lang="en-US" sz="3200" u="sng" dirty="0"/>
+              <a:t>5)Colors should be defined by </a:t>
+            </a:r>
+            <a:r>
+              <a:rPr lang="en-US" sz="3200" u="sng" dirty="0" err="1"/>
+              <a:t>rgb</a:t>
+            </a:r>
+            <a:r>
+              <a:rPr lang="en-US" sz="3200" u="sng" dirty="0"/>
+              <a:t>, </a:t>
+            </a:r>
+            <a:r>
+              <a:rPr lang="en-US" sz="3200" u="sng" dirty="0" err="1"/>
+              <a:t>rgba</a:t>
+            </a:r>
+            <a:r>
+              <a:rPr lang="en-US" sz="3200" u="sng" dirty="0"/>
+              <a:t>, </a:t>
+            </a:r>
+            <a:r>
+              <a:rPr lang="en-US" sz="3200" u="sng" dirty="0" err="1"/>
+              <a:t>hsl</a:t>
+            </a:r>
+            <a:r>
+              <a:rPr lang="en-US" sz="3200" u="sng" dirty="0"/>
+              <a:t>, </a:t>
+            </a:r>
+            <a:r>
+              <a:rPr lang="en-US" sz="3200" u="sng" dirty="0" err="1"/>
+              <a:t>hsla</a:t>
+            </a:r>
+            <a:r>
+              <a:rPr lang="en-US" sz="3200" u="sng" dirty="0"/>
+              <a:t> functions and by hexadecimal numbers.</a:t>
+            </a:r>
+            <a:r>
+              <a:rPr lang="en-US" dirty="0"/>
+              <a:t> </a:t>
+            </a:r>
+            <a:endParaRPr lang="ru-RU" dirty="0"/>
+          </a:p>
+        </p:txBody>
+      </p:sp>
+      <p:sp>
+        <p:nvSpPr>
+          <p:cNvPr id="3" name="Объект 2"/>
+          <p:cNvSpPr>
+            <a:spLocks noGrp="1"/>
+          </p:cNvSpPr>
+          <p:nvPr>
+            <p:ph idx="1"/>
+          </p:nvPr>
+        </p:nvSpPr>
+        <p:spPr/>
+        <p:txBody>
+          <a:bodyPr/>
+          <a:lstStyle/>
+          <a:p>
+            <a:r>
+              <a:rPr lang="en-US" i="1" smtClean="0"/>
+              <a:t>In our project we used: </a:t>
+            </a:r>
+            <a:endParaRPr lang="ru-RU" i="1" dirty="0"/>
+          </a:p>
+        </p:txBody>
+      </p:sp>
+      <p:pic>
+        <p:nvPicPr>
+          <p:cNvPr id="4" name="Рисунок 3"/>
+          <p:cNvPicPr>
+            <a:picLocks noChangeAspect="1"/>
+          </p:cNvPicPr>
+          <p:nvPr/>
+        </p:nvPicPr>
+        <p:blipFill>
+          <a:blip r:embed="rId2"/>
+          <a:stretch>
+            <a:fillRect/>
+          </a:stretch>
+        </p:blipFill>
+        <p:spPr>
+          <a:xfrm>
+            <a:off x="3769393" y="3186112"/>
+            <a:ext cx="3193382" cy="333375"/>
+          </a:xfrm>
+          <a:prstGeom prst="rect">
+            <a:avLst/>
+          </a:prstGeom>
+        </p:spPr>
+      </p:pic>
+      <p:pic>
+        <p:nvPicPr>
+          <p:cNvPr id="5" name="Рисунок 4"/>
+          <p:cNvPicPr>
+            <a:picLocks noChangeAspect="1"/>
+          </p:cNvPicPr>
+          <p:nvPr/>
+        </p:nvPicPr>
+        <p:blipFill>
+          <a:blip r:embed="rId3"/>
+          <a:stretch>
+            <a:fillRect/>
+          </a:stretch>
+        </p:blipFill>
+        <p:spPr>
+          <a:xfrm>
+            <a:off x="5730993" y="4587139"/>
+            <a:ext cx="2808494" cy="228101"/>
+          </a:xfrm>
+          <a:prstGeom prst="rect">
+            <a:avLst/>
+          </a:prstGeom>
+        </p:spPr>
+      </p:pic>
+      <p:pic>
+        <p:nvPicPr>
+          <p:cNvPr id="6" name="Рисунок 5"/>
+          <p:cNvPicPr>
+            <a:picLocks noChangeAspect="1"/>
+          </p:cNvPicPr>
+          <p:nvPr/>
+        </p:nvPicPr>
+        <p:blipFill>
+          <a:blip r:embed="rId4"/>
+          <a:stretch>
+            <a:fillRect/>
+          </a:stretch>
+        </p:blipFill>
+        <p:spPr>
+          <a:xfrm>
+            <a:off x="8358471" y="3186111"/>
+            <a:ext cx="2521148" cy="333375"/>
+          </a:xfrm>
+          <a:prstGeom prst="rect">
+            <a:avLst/>
+          </a:prstGeom>
+        </p:spPr>
+      </p:pic>
+      <p:pic>
+        <p:nvPicPr>
+          <p:cNvPr id="7" name="Рисунок 6"/>
+          <p:cNvPicPr>
+            <a:picLocks noChangeAspect="1"/>
+          </p:cNvPicPr>
+          <p:nvPr/>
+        </p:nvPicPr>
+        <p:blipFill>
+          <a:blip r:embed="rId5"/>
+          <a:stretch>
+            <a:fillRect/>
+          </a:stretch>
+        </p:blipFill>
+        <p:spPr>
+          <a:xfrm>
+            <a:off x="2217251" y="3002507"/>
+            <a:ext cx="816461" cy="353064"/>
+          </a:xfrm>
+          <a:prstGeom prst="rect">
+            <a:avLst/>
+          </a:prstGeom>
+        </p:spPr>
+      </p:pic>
+      <p:pic>
+        <p:nvPicPr>
+          <p:cNvPr id="8" name="Рисунок 7"/>
+          <p:cNvPicPr>
+            <a:picLocks noChangeAspect="1"/>
+          </p:cNvPicPr>
+          <p:nvPr/>
+        </p:nvPicPr>
+        <p:blipFill>
+          <a:blip r:embed="rId6"/>
+          <a:stretch>
+            <a:fillRect/>
+          </a:stretch>
+        </p:blipFill>
+        <p:spPr>
+          <a:xfrm>
+            <a:off x="1555403" y="5009260"/>
+            <a:ext cx="2192684" cy="277740"/>
+          </a:xfrm>
+          <a:prstGeom prst="rect">
+            <a:avLst/>
+          </a:prstGeom>
+        </p:spPr>
+      </p:pic>
+      <p:pic>
+        <p:nvPicPr>
+          <p:cNvPr id="10" name="Рисунок 9"/>
+          <p:cNvPicPr>
+            <a:picLocks noChangeAspect="1"/>
+          </p:cNvPicPr>
+          <p:nvPr/>
+        </p:nvPicPr>
+        <p:blipFill>
+          <a:blip r:embed="rId7"/>
+          <a:stretch>
+            <a:fillRect/>
+          </a:stretch>
+        </p:blipFill>
+        <p:spPr>
+          <a:xfrm>
+            <a:off x="1052512" y="3757054"/>
+            <a:ext cx="2936300" cy="446455"/>
+          </a:xfrm>
+          <a:prstGeom prst="rect">
+            <a:avLst/>
+          </a:prstGeom>
+        </p:spPr>
+      </p:pic>
+    </p:spTree>
+    <p:extLst>
+      <p:ext uri="{BB962C8B-B14F-4D97-AF65-F5344CB8AC3E}">
+        <p14:creationId xmlns:p14="http://schemas.microsoft.com/office/powerpoint/2010/main" val="2863598688"/>
       </p:ext>
     </p:extLst>
   </p:cSld>
@@ -3081,9 +4468,156 @@
           <a:chExt cx="0" cy="0"/>
         </a:xfrm>
       </p:grpSpPr>
+      <p:sp>
+        <p:nvSpPr>
+          <p:cNvPr id="2" name="Заголовок 1"/>
+          <p:cNvSpPr>
+            <a:spLocks noGrp="1"/>
+          </p:cNvSpPr>
+          <p:nvPr>
+            <p:ph type="title"/>
+          </p:nvPr>
+        </p:nvSpPr>
+        <p:spPr/>
+        <p:txBody>
+          <a:bodyPr>
+            <a:normAutofit/>
+          </a:bodyPr>
+          <a:lstStyle/>
+          <a:p>
+            <a:r>
+              <a:rPr lang="en-US" sz="3200" u="sng" dirty="0" smtClean="0"/>
+              <a:t>1) Number of web pages must be at least 5</a:t>
+            </a:r>
+            <a:r>
+              <a:rPr lang="en-US" sz="3200" dirty="0" smtClean="0"/>
+              <a:t/>
+            </a:r>
+            <a:br>
+              <a:rPr lang="en-US" sz="3200" dirty="0" smtClean="0"/>
+            </a:br>
+            <a:r>
+              <a:rPr lang="en-US" sz="3200" i="1" dirty="0" smtClean="0"/>
+              <a:t>pages: home, women, men, accessories, about us</a:t>
+            </a:r>
+            <a:endParaRPr lang="ru-RU" sz="3200" i="1" dirty="0"/>
+          </a:p>
+        </p:txBody>
+      </p:sp>
       <p:pic>
         <p:nvPicPr>
-          <p:cNvPr id="2" name="Рисунок 1"/>
+          <p:cNvPr id="4" name="Объект 3"/>
+          <p:cNvPicPr>
+            <a:picLocks noGrp="1" noChangeAspect="1"/>
+          </p:cNvPicPr>
+          <p:nvPr>
+            <p:ph idx="1"/>
+          </p:nvPr>
+        </p:nvPicPr>
+        <p:blipFill>
+          <a:blip r:embed="rId2"/>
+          <a:stretch>
+            <a:fillRect/>
+          </a:stretch>
+        </p:blipFill>
+        <p:spPr>
+          <a:xfrm>
+            <a:off x="1113386" y="1811977"/>
+            <a:ext cx="9446614" cy="4351338"/>
+          </a:xfrm>
+          <a:prstGeom prst="rect">
+            <a:avLst/>
+          </a:prstGeom>
+        </p:spPr>
+      </p:pic>
+    </p:spTree>
+    <p:extLst>
+      <p:ext uri="{BB962C8B-B14F-4D97-AF65-F5344CB8AC3E}">
+        <p14:creationId xmlns:p14="http://schemas.microsoft.com/office/powerpoint/2010/main" val="1919358037"/>
+      </p:ext>
+    </p:extLst>
+  </p:cSld>
+  <p:clrMapOvr>
+    <a:masterClrMapping/>
+  </p:clrMapOvr>
+</p:sld>
+</file>
+
+<file path=ppt/slides/slide20.xml><?xml version="1.0" encoding="utf-8"?>
+<p:sld xmlns:a="http://schemas.openxmlformats.org/drawingml/2006/main" xmlns:r="http://schemas.openxmlformats.org/officeDocument/2006/relationships" xmlns:p="http://schemas.openxmlformats.org/presentationml/2006/main">
+  <p:cSld>
+    <p:spTree>
+      <p:nvGrpSpPr>
+        <p:cNvPr id="1" name=""/>
+        <p:cNvGrpSpPr/>
+        <p:nvPr/>
+      </p:nvGrpSpPr>
+      <p:grpSpPr>
+        <a:xfrm>
+          <a:off x="0" y="0"/>
+          <a:ext cx="0" cy="0"/>
+          <a:chOff x="0" y="0"/>
+          <a:chExt cx="0" cy="0"/>
+        </a:xfrm>
+      </p:grpSpPr>
+      <p:sp>
+        <p:nvSpPr>
+          <p:cNvPr id="2" name="Заголовок 1"/>
+          <p:cNvSpPr>
+            <a:spLocks noGrp="1"/>
+          </p:cNvSpPr>
+          <p:nvPr>
+            <p:ph type="title"/>
+          </p:nvPr>
+        </p:nvSpPr>
+        <p:spPr/>
+        <p:txBody>
+          <a:bodyPr>
+            <a:normAutofit/>
+          </a:bodyPr>
+          <a:lstStyle/>
+          <a:p>
+            <a:r>
+              <a:rPr lang="en-US" sz="3600" u="sng" dirty="0"/>
+              <a:t>6)Web pages must be mobile adaptable</a:t>
+            </a:r>
+            <a:r>
+              <a:rPr lang="en-US" sz="3600" u="sng" dirty="0" smtClean="0"/>
+              <a:t>.</a:t>
+            </a:r>
+            <a:br>
+              <a:rPr lang="en-US" sz="3600" u="sng" dirty="0" smtClean="0"/>
+            </a:br>
+            <a:r>
+              <a:rPr lang="en-US" sz="3600" i="1" dirty="0" smtClean="0"/>
+              <a:t>Home page’s mobile adaptable version</a:t>
+            </a:r>
+            <a:endParaRPr lang="ru-RU" sz="3600" u="sng" dirty="0"/>
+          </a:p>
+        </p:txBody>
+      </p:sp>
+      <p:sp>
+        <p:nvSpPr>
+          <p:cNvPr id="3" name="Объект 2"/>
+          <p:cNvSpPr>
+            <a:spLocks noGrp="1"/>
+          </p:cNvSpPr>
+          <p:nvPr>
+            <p:ph idx="1"/>
+          </p:nvPr>
+        </p:nvSpPr>
+        <p:spPr/>
+        <p:txBody>
+          <a:bodyPr/>
+          <a:lstStyle/>
+          <a:p>
+            <a:endParaRPr lang="ru-RU" dirty="0"/>
+          </a:p>
+        </p:txBody>
+      </p:sp>
+      <p:pic>
+        <p:nvPicPr>
+          <p:cNvPr id="4" name="Рисунок 3"/>
           <p:cNvPicPr>
             <a:picLocks noChangeAspect="1"/>
           </p:cNvPicPr>
@@ -3091,13 +4625,37 @@
         </p:nvPicPr>
         <p:blipFill rotWithShape="1">
           <a:blip r:embed="rId2"/>
-          <a:srcRect l="4616" t="13387" r="5910" b="5830"/>
+          <a:srcRect l="1342"/>
           <a:stretch/>
         </p:blipFill>
         <p:spPr>
           <a:xfrm>
-            <a:off x="218364" y="491319"/>
-            <a:ext cx="11641540" cy="5909482"/>
+            <a:off x="0" y="1627922"/>
+            <a:ext cx="3930555" cy="5230078"/>
+          </a:xfrm>
+          <a:prstGeom prst="rect">
+            <a:avLst/>
+          </a:prstGeom>
+        </p:spPr>
+      </p:pic>
+      <p:pic>
+        <p:nvPicPr>
+          <p:cNvPr id="5" name="Рисунок 4"/>
+          <p:cNvPicPr>
+            <a:picLocks noChangeAspect="1"/>
+          </p:cNvPicPr>
+          <p:nvPr/>
+        </p:nvPicPr>
+        <p:blipFill>
+          <a:blip r:embed="rId3"/>
+          <a:stretch>
+            <a:fillRect/>
+          </a:stretch>
+        </p:blipFill>
+        <p:spPr>
+          <a:xfrm>
+            <a:off x="5346652" y="1962944"/>
+            <a:ext cx="4591050" cy="4076700"/>
           </a:xfrm>
           <a:prstGeom prst="rect">
             <a:avLst/>
@@ -3107,7 +4665,894 @@
     </p:spTree>
     <p:extLst>
       <p:ext uri="{BB962C8B-B14F-4D97-AF65-F5344CB8AC3E}">
-        <p14:creationId xmlns:p14="http://schemas.microsoft.com/office/powerpoint/2010/main" val="4100169548"/>
+        <p14:creationId xmlns:p14="http://schemas.microsoft.com/office/powerpoint/2010/main" val="1123854429"/>
+      </p:ext>
+    </p:extLst>
+  </p:cSld>
+  <p:clrMapOvr>
+    <a:masterClrMapping/>
+  </p:clrMapOvr>
+</p:sld>
+</file>
+
+<file path=ppt/slides/slide21.xml><?xml version="1.0" encoding="utf-8"?>
+<p:sld xmlns:a="http://schemas.openxmlformats.org/drawingml/2006/main" xmlns:r="http://schemas.openxmlformats.org/officeDocument/2006/relationships" xmlns:p="http://schemas.openxmlformats.org/presentationml/2006/main">
+  <p:cSld>
+    <p:spTree>
+      <p:nvGrpSpPr>
+        <p:cNvPr id="1" name=""/>
+        <p:cNvGrpSpPr/>
+        <p:nvPr/>
+      </p:nvGrpSpPr>
+      <p:grpSpPr>
+        <a:xfrm>
+          <a:off x="0" y="0"/>
+          <a:ext cx="0" cy="0"/>
+          <a:chOff x="0" y="0"/>
+          <a:chExt cx="0" cy="0"/>
+        </a:xfrm>
+      </p:grpSpPr>
+      <p:sp>
+        <p:nvSpPr>
+          <p:cNvPr id="2" name="Заголовок 1"/>
+          <p:cNvSpPr>
+            <a:spLocks noGrp="1"/>
+          </p:cNvSpPr>
+          <p:nvPr>
+            <p:ph type="title"/>
+          </p:nvPr>
+        </p:nvSpPr>
+        <p:spPr/>
+        <p:txBody>
+          <a:bodyPr/>
+          <a:lstStyle/>
+          <a:p>
+            <a:r>
+              <a:rPr lang="en-US" dirty="0" smtClean="0"/>
+              <a:t>					</a:t>
+            </a:r>
+            <a:r>
+              <a:rPr lang="en-US" sz="2000" i="1" dirty="0" smtClean="0"/>
+              <a:t>when the width of the devices changes, the </a:t>
+            </a:r>
+            <a:r>
+              <a:rPr lang="en-US" sz="2000" i="1" dirty="0" err="1" smtClean="0"/>
+              <a:t>elements’s</a:t>
+            </a:r>
+            <a:r>
+              <a:rPr lang="en-US" sz="2000" i="1" dirty="0" smtClean="0"/>
+              <a:t/>
+            </a:r>
+            <a:br>
+              <a:rPr lang="en-US" sz="2000" i="1" dirty="0" smtClean="0"/>
+            </a:br>
+            <a:r>
+              <a:rPr lang="en-US" sz="2000" i="1" dirty="0"/>
+              <a:t>	</a:t>
+            </a:r>
+            <a:r>
+              <a:rPr lang="en-US" sz="2000" i="1" dirty="0" smtClean="0"/>
+              <a:t>				width changes  too.  </a:t>
+            </a:r>
+            <a:endParaRPr lang="ru-RU" i="1" dirty="0"/>
+          </a:p>
+        </p:txBody>
+      </p:sp>
+      <p:sp>
+        <p:nvSpPr>
+          <p:cNvPr id="3" name="Объект 2"/>
+          <p:cNvSpPr>
+            <a:spLocks noGrp="1"/>
+          </p:cNvSpPr>
+          <p:nvPr>
+            <p:ph idx="1"/>
+          </p:nvPr>
+        </p:nvSpPr>
+        <p:spPr/>
+        <p:txBody>
+          <a:bodyPr/>
+          <a:lstStyle/>
+          <a:p>
+            <a:endParaRPr lang="ru-RU"/>
+          </a:p>
+        </p:txBody>
+      </p:sp>
+      <p:pic>
+        <p:nvPicPr>
+          <p:cNvPr id="4" name="Рисунок 3"/>
+          <p:cNvPicPr>
+            <a:picLocks noChangeAspect="1"/>
+          </p:cNvPicPr>
+          <p:nvPr/>
+        </p:nvPicPr>
+        <p:blipFill>
+          <a:blip r:embed="rId2"/>
+          <a:stretch>
+            <a:fillRect/>
+          </a:stretch>
+        </p:blipFill>
+        <p:spPr>
+          <a:xfrm>
+            <a:off x="469425" y="1027906"/>
+            <a:ext cx="4448175" cy="5695950"/>
+          </a:xfrm>
+          <a:prstGeom prst="rect">
+            <a:avLst/>
+          </a:prstGeom>
+        </p:spPr>
+      </p:pic>
+      <p:pic>
+        <p:nvPicPr>
+          <p:cNvPr id="5" name="Рисунок 4"/>
+          <p:cNvPicPr>
+            <a:picLocks noChangeAspect="1"/>
+          </p:cNvPicPr>
+          <p:nvPr/>
+        </p:nvPicPr>
+        <p:blipFill>
+          <a:blip r:embed="rId3"/>
+          <a:stretch>
+            <a:fillRect/>
+          </a:stretch>
+        </p:blipFill>
+        <p:spPr>
+          <a:xfrm>
+            <a:off x="5868750" y="2116534"/>
+            <a:ext cx="4533900" cy="4333875"/>
+          </a:xfrm>
+          <a:prstGeom prst="rect">
+            <a:avLst/>
+          </a:prstGeom>
+        </p:spPr>
+      </p:pic>
+    </p:spTree>
+    <p:extLst>
+      <p:ext uri="{BB962C8B-B14F-4D97-AF65-F5344CB8AC3E}">
+        <p14:creationId xmlns:p14="http://schemas.microsoft.com/office/powerpoint/2010/main" val="14576696"/>
+      </p:ext>
+    </p:extLst>
+  </p:cSld>
+  <p:clrMapOvr>
+    <a:masterClrMapping/>
+  </p:clrMapOvr>
+</p:sld>
+</file>
+
+<file path=ppt/slides/slide22.xml><?xml version="1.0" encoding="utf-8"?>
+<p:sld xmlns:a="http://schemas.openxmlformats.org/drawingml/2006/main" xmlns:r="http://schemas.openxmlformats.org/officeDocument/2006/relationships" xmlns:p="http://schemas.openxmlformats.org/presentationml/2006/main">
+  <p:cSld>
+    <p:spTree>
+      <p:nvGrpSpPr>
+        <p:cNvPr id="1" name=""/>
+        <p:cNvGrpSpPr/>
+        <p:nvPr/>
+      </p:nvGrpSpPr>
+      <p:grpSpPr>
+        <a:xfrm>
+          <a:off x="0" y="0"/>
+          <a:ext cx="0" cy="0"/>
+          <a:chOff x="0" y="0"/>
+          <a:chExt cx="0" cy="0"/>
+        </a:xfrm>
+      </p:grpSpPr>
+      <p:sp>
+        <p:nvSpPr>
+          <p:cNvPr id="2" name="Заголовок 1"/>
+          <p:cNvSpPr>
+            <a:spLocks noGrp="1"/>
+          </p:cNvSpPr>
+          <p:nvPr>
+            <p:ph type="title"/>
+          </p:nvPr>
+        </p:nvSpPr>
+        <p:spPr>
+          <a:xfrm>
+            <a:off x="838200" y="0"/>
+            <a:ext cx="10515600" cy="1325563"/>
+          </a:xfrm>
+        </p:spPr>
+        <p:txBody>
+          <a:bodyPr>
+            <a:normAutofit/>
+          </a:bodyPr>
+          <a:lstStyle/>
+          <a:p>
+            <a:r>
+              <a:rPr lang="en-US" sz="2000" i="1" dirty="0" smtClean="0"/>
+              <a:t>The second pages mobile adaptable version. Here the </a:t>
+            </a:r>
+            <a:r>
+              <a:rPr lang="en-US" sz="2000" i="1" dirty="0"/>
+              <a:t>d</a:t>
+            </a:r>
+            <a:r>
+              <a:rPr lang="en-US" sz="2000" i="1" dirty="0" smtClean="0"/>
+              <a:t>irection of clothes‘ changes from row to column. </a:t>
+            </a:r>
+            <a:endParaRPr lang="ru-RU" sz="2000" i="1" dirty="0"/>
+          </a:p>
+        </p:txBody>
+      </p:sp>
+      <p:sp>
+        <p:nvSpPr>
+          <p:cNvPr id="3" name="Объект 2"/>
+          <p:cNvSpPr>
+            <a:spLocks noGrp="1"/>
+          </p:cNvSpPr>
+          <p:nvPr>
+            <p:ph idx="1"/>
+          </p:nvPr>
+        </p:nvSpPr>
+        <p:spPr/>
+        <p:txBody>
+          <a:bodyPr/>
+          <a:lstStyle/>
+          <a:p>
+            <a:endParaRPr lang="ru-RU"/>
+          </a:p>
+        </p:txBody>
+      </p:sp>
+      <p:pic>
+        <p:nvPicPr>
+          <p:cNvPr id="4" name="Рисунок 3"/>
+          <p:cNvPicPr>
+            <a:picLocks noChangeAspect="1"/>
+          </p:cNvPicPr>
+          <p:nvPr/>
+        </p:nvPicPr>
+        <p:blipFill>
+          <a:blip r:embed="rId2"/>
+          <a:stretch>
+            <a:fillRect/>
+          </a:stretch>
+        </p:blipFill>
+        <p:spPr>
+          <a:xfrm>
+            <a:off x="1294975" y="1181100"/>
+            <a:ext cx="4429125" cy="5715000"/>
+          </a:xfrm>
+          <a:prstGeom prst="rect">
+            <a:avLst/>
+          </a:prstGeom>
+        </p:spPr>
+      </p:pic>
+      <p:pic>
+        <p:nvPicPr>
+          <p:cNvPr id="5" name="Рисунок 4"/>
+          <p:cNvPicPr>
+            <a:picLocks noChangeAspect="1"/>
+          </p:cNvPicPr>
+          <p:nvPr/>
+        </p:nvPicPr>
+        <p:blipFill>
+          <a:blip r:embed="rId3"/>
+          <a:stretch>
+            <a:fillRect/>
+          </a:stretch>
+        </p:blipFill>
+        <p:spPr>
+          <a:xfrm>
+            <a:off x="6281525" y="1181100"/>
+            <a:ext cx="4514850" cy="5676900"/>
+          </a:xfrm>
+          <a:prstGeom prst="rect">
+            <a:avLst/>
+          </a:prstGeom>
+        </p:spPr>
+      </p:pic>
+    </p:spTree>
+    <p:extLst>
+      <p:ext uri="{BB962C8B-B14F-4D97-AF65-F5344CB8AC3E}">
+        <p14:creationId xmlns:p14="http://schemas.microsoft.com/office/powerpoint/2010/main" val="1367642282"/>
+      </p:ext>
+    </p:extLst>
+  </p:cSld>
+  <p:clrMapOvr>
+    <a:masterClrMapping/>
+  </p:clrMapOvr>
+</p:sld>
+</file>
+
+<file path=ppt/slides/slide23.xml><?xml version="1.0" encoding="utf-8"?>
+<p:sld xmlns:a="http://schemas.openxmlformats.org/drawingml/2006/main" xmlns:r="http://schemas.openxmlformats.org/officeDocument/2006/relationships" xmlns:p="http://schemas.openxmlformats.org/presentationml/2006/main">
+  <p:cSld>
+    <p:spTree>
+      <p:nvGrpSpPr>
+        <p:cNvPr id="1" name=""/>
+        <p:cNvGrpSpPr/>
+        <p:nvPr/>
+      </p:nvGrpSpPr>
+      <p:grpSpPr>
+        <a:xfrm>
+          <a:off x="0" y="0"/>
+          <a:ext cx="0" cy="0"/>
+          <a:chOff x="0" y="0"/>
+          <a:chExt cx="0" cy="0"/>
+        </a:xfrm>
+      </p:grpSpPr>
+      <p:sp>
+        <p:nvSpPr>
+          <p:cNvPr id="2" name="Заголовок 1"/>
+          <p:cNvSpPr>
+            <a:spLocks noGrp="1"/>
+          </p:cNvSpPr>
+          <p:nvPr>
+            <p:ph type="title"/>
+          </p:nvPr>
+        </p:nvSpPr>
+        <p:spPr>
+          <a:xfrm>
+            <a:off x="838200" y="0"/>
+            <a:ext cx="10515600" cy="1325563"/>
+          </a:xfrm>
+        </p:spPr>
+        <p:txBody>
+          <a:bodyPr>
+            <a:normAutofit/>
+          </a:bodyPr>
+          <a:lstStyle/>
+          <a:p>
+            <a:r>
+              <a:rPr lang="en-US" sz="2000" i="1" dirty="0" smtClean="0"/>
+              <a:t>Mobile adaptable version of the men's and accessories'  page </a:t>
+            </a:r>
+            <a:endParaRPr lang="ru-RU" sz="2000" i="1" dirty="0"/>
+          </a:p>
+        </p:txBody>
+      </p:sp>
+      <p:sp>
+        <p:nvSpPr>
+          <p:cNvPr id="3" name="Объект 2"/>
+          <p:cNvSpPr>
+            <a:spLocks noGrp="1"/>
+          </p:cNvSpPr>
+          <p:nvPr>
+            <p:ph idx="1"/>
+          </p:nvPr>
+        </p:nvSpPr>
+        <p:spPr/>
+        <p:txBody>
+          <a:bodyPr/>
+          <a:lstStyle/>
+          <a:p>
+            <a:endParaRPr lang="ru-RU"/>
+          </a:p>
+        </p:txBody>
+      </p:sp>
+      <p:pic>
+        <p:nvPicPr>
+          <p:cNvPr id="4" name="Рисунок 3"/>
+          <p:cNvPicPr>
+            <a:picLocks noChangeAspect="1"/>
+          </p:cNvPicPr>
+          <p:nvPr/>
+        </p:nvPicPr>
+        <p:blipFill>
+          <a:blip r:embed="rId2"/>
+          <a:stretch>
+            <a:fillRect/>
+          </a:stretch>
+        </p:blipFill>
+        <p:spPr>
+          <a:xfrm>
+            <a:off x="132354" y="1167606"/>
+            <a:ext cx="4581525" cy="5667375"/>
+          </a:xfrm>
+          <a:prstGeom prst="rect">
+            <a:avLst/>
+          </a:prstGeom>
+        </p:spPr>
+      </p:pic>
+      <p:pic>
+        <p:nvPicPr>
+          <p:cNvPr id="5" name="Рисунок 4"/>
+          <p:cNvPicPr>
+            <a:picLocks noChangeAspect="1"/>
+          </p:cNvPicPr>
+          <p:nvPr/>
+        </p:nvPicPr>
+        <p:blipFill>
+          <a:blip r:embed="rId3"/>
+          <a:stretch>
+            <a:fillRect/>
+          </a:stretch>
+        </p:blipFill>
+        <p:spPr>
+          <a:xfrm>
+            <a:off x="4713879" y="1139031"/>
+            <a:ext cx="4591050" cy="5695950"/>
+          </a:xfrm>
+          <a:prstGeom prst="rect">
+            <a:avLst/>
+          </a:prstGeom>
+        </p:spPr>
+      </p:pic>
+      <p:pic>
+        <p:nvPicPr>
+          <p:cNvPr id="6" name="Рисунок 5"/>
+          <p:cNvPicPr>
+            <a:picLocks noChangeAspect="1"/>
+          </p:cNvPicPr>
+          <p:nvPr/>
+        </p:nvPicPr>
+        <p:blipFill rotWithShape="1">
+          <a:blip r:embed="rId4"/>
+          <a:srcRect l="16721" r="11333"/>
+          <a:stretch/>
+        </p:blipFill>
+        <p:spPr>
+          <a:xfrm>
+            <a:off x="8712105" y="1239043"/>
+            <a:ext cx="3234520" cy="5524500"/>
+          </a:xfrm>
+          <a:prstGeom prst="rect">
+            <a:avLst/>
+          </a:prstGeom>
+        </p:spPr>
+      </p:pic>
+    </p:spTree>
+    <p:extLst>
+      <p:ext uri="{BB962C8B-B14F-4D97-AF65-F5344CB8AC3E}">
+        <p14:creationId xmlns:p14="http://schemas.microsoft.com/office/powerpoint/2010/main" val="1348031051"/>
+      </p:ext>
+    </p:extLst>
+  </p:cSld>
+  <p:clrMapOvr>
+    <a:masterClrMapping/>
+  </p:clrMapOvr>
+</p:sld>
+</file>
+
+<file path=ppt/slides/slide24.xml><?xml version="1.0" encoding="utf-8"?>
+<p:sld xmlns:a="http://schemas.openxmlformats.org/drawingml/2006/main" xmlns:r="http://schemas.openxmlformats.org/officeDocument/2006/relationships" xmlns:p="http://schemas.openxmlformats.org/presentationml/2006/main">
+  <p:cSld>
+    <p:spTree>
+      <p:nvGrpSpPr>
+        <p:cNvPr id="1" name=""/>
+        <p:cNvGrpSpPr/>
+        <p:nvPr/>
+      </p:nvGrpSpPr>
+      <p:grpSpPr>
+        <a:xfrm>
+          <a:off x="0" y="0"/>
+          <a:ext cx="0" cy="0"/>
+          <a:chOff x="0" y="0"/>
+          <a:chExt cx="0" cy="0"/>
+        </a:xfrm>
+      </p:grpSpPr>
+      <p:sp>
+        <p:nvSpPr>
+          <p:cNvPr id="2" name="Заголовок 1"/>
+          <p:cNvSpPr>
+            <a:spLocks noGrp="1"/>
+          </p:cNvSpPr>
+          <p:nvPr>
+            <p:ph type="title"/>
+          </p:nvPr>
+        </p:nvSpPr>
+        <p:spPr>
+          <a:xfrm>
+            <a:off x="838200" y="154384"/>
+            <a:ext cx="10515600" cy="1325563"/>
+          </a:xfrm>
+        </p:spPr>
+        <p:txBody>
+          <a:bodyPr>
+            <a:normAutofit/>
+          </a:bodyPr>
+          <a:lstStyle/>
+          <a:p>
+            <a:r>
+              <a:rPr lang="en-US" sz="2000" i="1" dirty="0" smtClean="0"/>
+              <a:t>Mobile adaptable version of the page ABOUT US. </a:t>
+            </a:r>
+            <a:endParaRPr lang="ru-RU" sz="2000" i="1" dirty="0"/>
+          </a:p>
+        </p:txBody>
+      </p:sp>
+      <p:sp>
+        <p:nvSpPr>
+          <p:cNvPr id="3" name="Объект 2"/>
+          <p:cNvSpPr>
+            <a:spLocks noGrp="1"/>
+          </p:cNvSpPr>
+          <p:nvPr>
+            <p:ph idx="1"/>
+          </p:nvPr>
+        </p:nvSpPr>
+        <p:spPr/>
+        <p:txBody>
+          <a:bodyPr/>
+          <a:lstStyle/>
+          <a:p>
+            <a:endParaRPr lang="ru-RU"/>
+          </a:p>
+        </p:txBody>
+      </p:sp>
+      <p:pic>
+        <p:nvPicPr>
+          <p:cNvPr id="4" name="Рисунок 3"/>
+          <p:cNvPicPr>
+            <a:picLocks noChangeAspect="1"/>
+          </p:cNvPicPr>
+          <p:nvPr/>
+        </p:nvPicPr>
+        <p:blipFill>
+          <a:blip r:embed="rId2"/>
+          <a:stretch>
+            <a:fillRect/>
+          </a:stretch>
+        </p:blipFill>
+        <p:spPr>
+          <a:xfrm>
+            <a:off x="171450" y="1143794"/>
+            <a:ext cx="4533900" cy="5715000"/>
+          </a:xfrm>
+          <a:prstGeom prst="rect">
+            <a:avLst/>
+          </a:prstGeom>
+        </p:spPr>
+      </p:pic>
+      <p:pic>
+        <p:nvPicPr>
+          <p:cNvPr id="5" name="Рисунок 4"/>
+          <p:cNvPicPr>
+            <a:picLocks noChangeAspect="1"/>
+          </p:cNvPicPr>
+          <p:nvPr/>
+        </p:nvPicPr>
+        <p:blipFill>
+          <a:blip r:embed="rId3"/>
+          <a:stretch>
+            <a:fillRect/>
+          </a:stretch>
+        </p:blipFill>
+        <p:spPr>
+          <a:xfrm>
+            <a:off x="6206603" y="1134269"/>
+            <a:ext cx="4410075" cy="5734050"/>
+          </a:xfrm>
+          <a:prstGeom prst="rect">
+            <a:avLst/>
+          </a:prstGeom>
+        </p:spPr>
+      </p:pic>
+    </p:spTree>
+    <p:extLst>
+      <p:ext uri="{BB962C8B-B14F-4D97-AF65-F5344CB8AC3E}">
+        <p14:creationId xmlns:p14="http://schemas.microsoft.com/office/powerpoint/2010/main" val="2506143778"/>
+      </p:ext>
+    </p:extLst>
+  </p:cSld>
+  <p:clrMapOvr>
+    <a:masterClrMapping/>
+  </p:clrMapOvr>
+</p:sld>
+</file>
+
+<file path=ppt/slides/slide25.xml><?xml version="1.0" encoding="utf-8"?>
+<p:sld xmlns:a="http://schemas.openxmlformats.org/drawingml/2006/main" xmlns:r="http://schemas.openxmlformats.org/officeDocument/2006/relationships" xmlns:p="http://schemas.openxmlformats.org/presentationml/2006/main">
+  <p:cSld>
+    <p:spTree>
+      <p:nvGrpSpPr>
+        <p:cNvPr id="1" name=""/>
+        <p:cNvGrpSpPr/>
+        <p:nvPr/>
+      </p:nvGrpSpPr>
+      <p:grpSpPr>
+        <a:xfrm>
+          <a:off x="0" y="0"/>
+          <a:ext cx="0" cy="0"/>
+          <a:chOff x="0" y="0"/>
+          <a:chExt cx="0" cy="0"/>
+        </a:xfrm>
+      </p:grpSpPr>
+      <p:sp>
+        <p:nvSpPr>
+          <p:cNvPr id="2" name="Заголовок 1"/>
+          <p:cNvSpPr>
+            <a:spLocks noGrp="1"/>
+          </p:cNvSpPr>
+          <p:nvPr>
+            <p:ph type="title"/>
+          </p:nvPr>
+        </p:nvSpPr>
+        <p:spPr>
+          <a:xfrm>
+            <a:off x="838200" y="0"/>
+            <a:ext cx="10515600" cy="1325563"/>
+          </a:xfrm>
+        </p:spPr>
+        <p:txBody>
+          <a:bodyPr>
+            <a:normAutofit/>
+          </a:bodyPr>
+          <a:lstStyle/>
+          <a:p>
+            <a:r>
+              <a:rPr lang="en-US" sz="2400" i="1" dirty="0" smtClean="0"/>
+              <a:t>The button and the table when the width is changed</a:t>
+            </a:r>
+            <a:endParaRPr lang="ru-RU" sz="2400" i="1" dirty="0"/>
+          </a:p>
+        </p:txBody>
+      </p:sp>
+      <p:sp>
+        <p:nvSpPr>
+          <p:cNvPr id="3" name="Объект 2"/>
+          <p:cNvSpPr>
+            <a:spLocks noGrp="1"/>
+          </p:cNvSpPr>
+          <p:nvPr>
+            <p:ph idx="1"/>
+          </p:nvPr>
+        </p:nvSpPr>
+        <p:spPr/>
+        <p:txBody>
+          <a:bodyPr/>
+          <a:lstStyle/>
+          <a:p>
+            <a:endParaRPr lang="ru-RU"/>
+          </a:p>
+        </p:txBody>
+      </p:sp>
+      <p:pic>
+        <p:nvPicPr>
+          <p:cNvPr id="4" name="Рисунок 3"/>
+          <p:cNvPicPr>
+            <a:picLocks noChangeAspect="1"/>
+          </p:cNvPicPr>
+          <p:nvPr/>
+        </p:nvPicPr>
+        <p:blipFill>
+          <a:blip r:embed="rId2"/>
+          <a:stretch>
+            <a:fillRect/>
+          </a:stretch>
+        </p:blipFill>
+        <p:spPr>
+          <a:xfrm>
+            <a:off x="522809" y="1027906"/>
+            <a:ext cx="4486275" cy="5543550"/>
+          </a:xfrm>
+          <a:prstGeom prst="rect">
+            <a:avLst/>
+          </a:prstGeom>
+        </p:spPr>
+      </p:pic>
+      <p:pic>
+        <p:nvPicPr>
+          <p:cNvPr id="5" name="Рисунок 4"/>
+          <p:cNvPicPr>
+            <a:picLocks noChangeAspect="1"/>
+          </p:cNvPicPr>
+          <p:nvPr/>
+        </p:nvPicPr>
+        <p:blipFill>
+          <a:blip r:embed="rId3"/>
+          <a:stretch>
+            <a:fillRect/>
+          </a:stretch>
+        </p:blipFill>
+        <p:spPr>
+          <a:xfrm>
+            <a:off x="6980830" y="1457325"/>
+            <a:ext cx="4495800" cy="5400675"/>
+          </a:xfrm>
+          <a:prstGeom prst="rect">
+            <a:avLst/>
+          </a:prstGeom>
+        </p:spPr>
+      </p:pic>
+    </p:spTree>
+    <p:extLst>
+      <p:ext uri="{BB962C8B-B14F-4D97-AF65-F5344CB8AC3E}">
+        <p14:creationId xmlns:p14="http://schemas.microsoft.com/office/powerpoint/2010/main" val="732755369"/>
+      </p:ext>
+    </p:extLst>
+  </p:cSld>
+  <p:clrMapOvr>
+    <a:masterClrMapping/>
+  </p:clrMapOvr>
+</p:sld>
+</file>
+
+<file path=ppt/slides/slide26.xml><?xml version="1.0" encoding="utf-8"?>
+<p:sld xmlns:a="http://schemas.openxmlformats.org/drawingml/2006/main" xmlns:r="http://schemas.openxmlformats.org/officeDocument/2006/relationships" xmlns:p="http://schemas.openxmlformats.org/presentationml/2006/main">
+  <p:cSld>
+    <p:spTree>
+      <p:nvGrpSpPr>
+        <p:cNvPr id="1" name=""/>
+        <p:cNvGrpSpPr/>
+        <p:nvPr/>
+      </p:nvGrpSpPr>
+      <p:grpSpPr>
+        <a:xfrm>
+          <a:off x="0" y="0"/>
+          <a:ext cx="0" cy="0"/>
+          <a:chOff x="0" y="0"/>
+          <a:chExt cx="0" cy="0"/>
+        </a:xfrm>
+      </p:grpSpPr>
+      <p:sp>
+        <p:nvSpPr>
+          <p:cNvPr id="2" name="Заголовок 1"/>
+          <p:cNvSpPr>
+            <a:spLocks noGrp="1"/>
+          </p:cNvSpPr>
+          <p:nvPr>
+            <p:ph type="title"/>
+          </p:nvPr>
+        </p:nvSpPr>
+        <p:spPr/>
+        <p:txBody>
+          <a:bodyPr>
+            <a:normAutofit fontScale="90000"/>
+          </a:bodyPr>
+          <a:lstStyle/>
+          <a:p>
+            <a:r>
+              <a:rPr lang="en-US" sz="3200" u="sng" dirty="0"/>
+              <a:t>7)Push your work in </a:t>
+            </a:r>
+            <a:r>
+              <a:rPr lang="en-US" sz="3200" u="sng" dirty="0" err="1"/>
+              <a:t>github</a:t>
+            </a:r>
+            <a:r>
+              <a:rPr lang="en-US" sz="3200" u="sng" dirty="0"/>
+              <a:t> repository</a:t>
+            </a:r>
+            <a:r>
+              <a:rPr lang="en-US" sz="3200" u="sng" dirty="0" smtClean="0"/>
+              <a:t>.</a:t>
+            </a:r>
+            <a:br>
+              <a:rPr lang="en-US" sz="3200" u="sng" dirty="0" smtClean="0"/>
+            </a:br>
+            <a:r>
+              <a:rPr lang="en-US" sz="3200" u="sng" dirty="0"/>
+              <a:t/>
+            </a:r>
+            <a:br>
+              <a:rPr lang="en-US" sz="3200" u="sng" dirty="0"/>
+            </a:br>
+            <a:r>
+              <a:rPr lang="en-US" sz="3200" i="1" dirty="0" err="1" smtClean="0"/>
+              <a:t>Tanbayeva</a:t>
+            </a:r>
+            <a:r>
+              <a:rPr lang="en-US" sz="3200" i="1" dirty="0" smtClean="0"/>
+              <a:t> </a:t>
+            </a:r>
+            <a:r>
+              <a:rPr lang="en-US" sz="3200" i="1" dirty="0" err="1" smtClean="0"/>
+              <a:t>Gulnara’s</a:t>
+            </a:r>
+            <a:r>
+              <a:rPr lang="en-US" sz="3200" i="1" dirty="0" smtClean="0"/>
+              <a:t> repository</a:t>
+            </a:r>
+            <a:endParaRPr lang="ru-RU" sz="3200" i="1" u="sng" dirty="0"/>
+          </a:p>
+        </p:txBody>
+      </p:sp>
+      <p:pic>
+        <p:nvPicPr>
+          <p:cNvPr id="4" name="Объект 3"/>
+          <p:cNvPicPr>
+            <a:picLocks noGrp="1" noChangeAspect="1"/>
+          </p:cNvPicPr>
+          <p:nvPr>
+            <p:ph idx="1"/>
+          </p:nvPr>
+        </p:nvPicPr>
+        <p:blipFill>
+          <a:blip r:embed="rId2"/>
+          <a:stretch>
+            <a:fillRect/>
+          </a:stretch>
+        </p:blipFill>
+        <p:spPr>
+          <a:xfrm>
+            <a:off x="2364364" y="2316945"/>
+            <a:ext cx="7272201" cy="4351338"/>
+          </a:xfrm>
+          <a:prstGeom prst="rect">
+            <a:avLst/>
+          </a:prstGeom>
+        </p:spPr>
+      </p:pic>
+    </p:spTree>
+    <p:extLst>
+      <p:ext uri="{BB962C8B-B14F-4D97-AF65-F5344CB8AC3E}">
+        <p14:creationId xmlns:p14="http://schemas.microsoft.com/office/powerpoint/2010/main" val="1424190341"/>
+      </p:ext>
+    </p:extLst>
+  </p:cSld>
+  <p:clrMapOvr>
+    <a:masterClrMapping/>
+  </p:clrMapOvr>
+</p:sld>
+</file>
+
+<file path=ppt/slides/slide27.xml><?xml version="1.0" encoding="utf-8"?>
+<p:sld xmlns:a="http://schemas.openxmlformats.org/drawingml/2006/main" xmlns:r="http://schemas.openxmlformats.org/officeDocument/2006/relationships" xmlns:p="http://schemas.openxmlformats.org/presentationml/2006/main">
+  <p:cSld>
+    <p:spTree>
+      <p:nvGrpSpPr>
+        <p:cNvPr id="1" name=""/>
+        <p:cNvGrpSpPr/>
+        <p:nvPr/>
+      </p:nvGrpSpPr>
+      <p:grpSpPr>
+        <a:xfrm>
+          <a:off x="0" y="0"/>
+          <a:ext cx="0" cy="0"/>
+          <a:chOff x="0" y="0"/>
+          <a:chExt cx="0" cy="0"/>
+        </a:xfrm>
+      </p:grpSpPr>
+      <p:sp>
+        <p:nvSpPr>
+          <p:cNvPr id="2" name="Заголовок 1"/>
+          <p:cNvSpPr>
+            <a:spLocks noGrp="1"/>
+          </p:cNvSpPr>
+          <p:nvPr>
+            <p:ph type="title"/>
+          </p:nvPr>
+        </p:nvSpPr>
+        <p:spPr/>
+        <p:txBody>
+          <a:bodyPr>
+            <a:normAutofit/>
+          </a:bodyPr>
+          <a:lstStyle/>
+          <a:p>
+            <a:r>
+              <a:rPr lang="en-US" sz="3200" i="1" dirty="0" err="1" smtClean="0"/>
+              <a:t>Duman</a:t>
+            </a:r>
+            <a:r>
+              <a:rPr lang="en-US" sz="3200" i="1" dirty="0" smtClean="0"/>
+              <a:t> </a:t>
+            </a:r>
+            <a:r>
+              <a:rPr lang="en-US" sz="3200" i="1" dirty="0" err="1" smtClean="0"/>
+              <a:t>Aisaev’s</a:t>
+            </a:r>
+            <a:r>
+              <a:rPr lang="en-US" sz="3200" i="1" dirty="0" smtClean="0"/>
+              <a:t> repository</a:t>
+            </a:r>
+            <a:endParaRPr lang="ru-RU" sz="3200" i="1" dirty="0"/>
+          </a:p>
+        </p:txBody>
+      </p:sp>
+      <p:sp>
+        <p:nvSpPr>
+          <p:cNvPr id="3" name="Объект 2"/>
+          <p:cNvSpPr>
+            <a:spLocks noGrp="1"/>
+          </p:cNvSpPr>
+          <p:nvPr>
+            <p:ph idx="1"/>
+          </p:nvPr>
+        </p:nvSpPr>
+        <p:spPr/>
+        <p:txBody>
+          <a:bodyPr/>
+          <a:lstStyle/>
+          <a:p>
+            <a:endParaRPr lang="ru-RU"/>
+          </a:p>
+        </p:txBody>
+      </p:sp>
+    </p:spTree>
+    <p:extLst>
+      <p:ext uri="{BB962C8B-B14F-4D97-AF65-F5344CB8AC3E}">
+        <p14:creationId xmlns:p14="http://schemas.microsoft.com/office/powerpoint/2010/main" val="3710169509"/>
       </p:ext>
     </p:extLst>
   </p:cSld>
@@ -3141,41 +5586,66 @@
             <a:spLocks noGrp="1"/>
           </p:cNvSpPr>
           <p:nvPr>
-            <p:ph type="ctrTitle"/>
-          </p:nvPr>
-        </p:nvSpPr>
-        <p:spPr/>
-        <p:txBody>
-          <a:bodyPr/>
-          <a:lstStyle/>
-          <a:p>
-            <a:r>
-              <a:rPr lang="en-US" dirty="0" smtClean="0"/>
-              <a:t>			</a:t>
-            </a:r>
-            <a:r>
-              <a:rPr lang="en-US" sz="2800" dirty="0" smtClean="0"/>
-              <a:t>picture’s size changes </a:t>
+            <p:ph type="title"/>
+          </p:nvPr>
+        </p:nvSpPr>
+        <p:spPr/>
+        <p:txBody>
+          <a:bodyPr>
+            <a:normAutofit fontScale="90000"/>
+          </a:bodyPr>
+          <a:lstStyle/>
+          <a:p>
+            <a:r>
+              <a:rPr lang="en-US" sz="3200" u="sng" dirty="0"/>
+              <a:t>2)The project must contain at least two </a:t>
+            </a:r>
+            <a:r>
+              <a:rPr lang="en-US" sz="3200" u="sng" dirty="0" err="1"/>
+              <a:t>flexbox</a:t>
+            </a:r>
+            <a:r>
+              <a:rPr lang="en-US" sz="3200" u="sng" dirty="0"/>
+              <a:t> containers with elements</a:t>
+            </a:r>
+            <a:r>
+              <a:rPr lang="en-US" sz="3200" u="sng" dirty="0" smtClean="0"/>
+              <a:t>.</a:t>
             </a:r>
             <a:br>
-              <a:rPr lang="en-US" sz="2800" dirty="0" smtClean="0"/>
+              <a:rPr lang="en-US" sz="3200" u="sng" dirty="0" smtClean="0"/>
             </a:br>
             <a:r>
-              <a:rPr lang="en-US" sz="2800" dirty="0" smtClean="0"/>
-              <a:t>	with width. The links to other pages, with changing width </a:t>
-            </a:r>
-            <a:endParaRPr lang="ru-RU" dirty="0"/>
-          </a:p>
-        </p:txBody>
-      </p:sp>
-      <p:sp>
-        <p:nvSpPr>
-          <p:cNvPr id="3" name="Подзаголовок 2"/>
-          <p:cNvSpPr>
-            <a:spLocks noGrp="1"/>
-          </p:cNvSpPr>
-          <p:nvPr>
-            <p:ph type="subTitle" idx="1"/>
+              <a:rPr lang="en-US" sz="3200" i="1" dirty="0" smtClean="0"/>
+              <a:t>first </a:t>
+            </a:r>
+            <a:r>
+              <a:rPr lang="en-US" sz="3200" i="1" dirty="0" err="1" smtClean="0"/>
+              <a:t>flexbox</a:t>
+            </a:r>
+            <a:r>
+              <a:rPr lang="en-US" sz="3200" i="1" dirty="0" smtClean="0"/>
+              <a:t> </a:t>
+            </a:r>
+            <a:r>
+              <a:rPr lang="en-US" sz="3200" u="sng" dirty="0" smtClean="0"/>
+              <a:t/>
+            </a:r>
+            <a:br>
+              <a:rPr lang="en-US" sz="3200" u="sng" dirty="0" smtClean="0"/>
+            </a:br>
+            <a:endParaRPr lang="ru-RU" sz="3200" u="sng" dirty="0"/>
+          </a:p>
+        </p:txBody>
+      </p:sp>
+      <p:sp>
+        <p:nvSpPr>
+          <p:cNvPr id="3" name="Объект 2"/>
+          <p:cNvSpPr>
+            <a:spLocks noGrp="1"/>
+          </p:cNvSpPr>
+          <p:nvPr>
+            <p:ph idx="1"/>
           </p:nvPr>
         </p:nvSpPr>
         <p:spPr/>
@@ -3197,13 +5667,13 @@
         </p:nvPicPr>
         <p:blipFill rotWithShape="1">
           <a:blip r:embed="rId2"/>
-          <a:srcRect l="10175" t="14878" r="54685" b="6390"/>
+          <a:srcRect l="6184" r="6507"/>
           <a:stretch/>
         </p:blipFill>
         <p:spPr>
           <a:xfrm>
-            <a:off x="805218" y="464025"/>
-            <a:ext cx="4572000" cy="5759355"/>
+            <a:off x="259307" y="2175467"/>
+            <a:ext cx="11368586" cy="4581525"/>
           </a:xfrm>
           <a:prstGeom prst="rect">
             <a:avLst/>
@@ -3213,7 +5683,686 @@
     </p:spTree>
     <p:extLst>
       <p:ext uri="{BB962C8B-B14F-4D97-AF65-F5344CB8AC3E}">
-        <p14:creationId xmlns:p14="http://schemas.microsoft.com/office/powerpoint/2010/main" val="2081667231"/>
+        <p14:creationId xmlns:p14="http://schemas.microsoft.com/office/powerpoint/2010/main" val="4243649550"/>
+      </p:ext>
+    </p:extLst>
+  </p:cSld>
+  <p:clrMapOvr>
+    <a:masterClrMapping/>
+  </p:clrMapOvr>
+</p:sld>
+</file>
+
+<file path=ppt/slides/slide4.xml><?xml version="1.0" encoding="utf-8"?>
+<p:sld xmlns:a="http://schemas.openxmlformats.org/drawingml/2006/main" xmlns:r="http://schemas.openxmlformats.org/officeDocument/2006/relationships" xmlns:p="http://schemas.openxmlformats.org/presentationml/2006/main">
+  <p:cSld>
+    <p:spTree>
+      <p:nvGrpSpPr>
+        <p:cNvPr id="1" name=""/>
+        <p:cNvGrpSpPr/>
+        <p:nvPr/>
+      </p:nvGrpSpPr>
+      <p:grpSpPr>
+        <a:xfrm>
+          <a:off x="0" y="0"/>
+          <a:ext cx="0" cy="0"/>
+          <a:chOff x="0" y="0"/>
+          <a:chExt cx="0" cy="0"/>
+        </a:xfrm>
+      </p:grpSpPr>
+      <p:pic>
+        <p:nvPicPr>
+          <p:cNvPr id="2" name="Рисунок 1"/>
+          <p:cNvPicPr>
+            <a:picLocks noChangeAspect="1"/>
+          </p:cNvPicPr>
+          <p:nvPr/>
+        </p:nvPicPr>
+        <p:blipFill>
+          <a:blip r:embed="rId2"/>
+          <a:stretch>
+            <a:fillRect/>
+          </a:stretch>
+        </p:blipFill>
+        <p:spPr>
+          <a:xfrm>
+            <a:off x="141880" y="1142501"/>
+            <a:ext cx="7324725" cy="5610225"/>
+          </a:xfrm>
+          <a:prstGeom prst="rect">
+            <a:avLst/>
+          </a:prstGeom>
+        </p:spPr>
+      </p:pic>
+      <p:pic>
+        <p:nvPicPr>
+          <p:cNvPr id="3" name="Рисунок 2"/>
+          <p:cNvPicPr>
+            <a:picLocks noChangeAspect="1"/>
+          </p:cNvPicPr>
+          <p:nvPr/>
+        </p:nvPicPr>
+        <p:blipFill>
+          <a:blip r:embed="rId3"/>
+          <a:stretch>
+            <a:fillRect/>
+          </a:stretch>
+        </p:blipFill>
+        <p:spPr>
+          <a:xfrm>
+            <a:off x="8178633" y="1180601"/>
+            <a:ext cx="2276475" cy="5572125"/>
+          </a:xfrm>
+          <a:prstGeom prst="rect">
+            <a:avLst/>
+          </a:prstGeom>
+        </p:spPr>
+      </p:pic>
+      <p:sp>
+        <p:nvSpPr>
+          <p:cNvPr id="4" name="Прямоугольник 3"/>
+          <p:cNvSpPr/>
+          <p:nvPr/>
+        </p:nvSpPr>
+        <p:spPr>
+          <a:xfrm>
+            <a:off x="696036" y="378304"/>
+            <a:ext cx="10440537" cy="369332"/>
+          </a:xfrm>
+          <a:prstGeom prst="rect">
+            <a:avLst/>
+          </a:prstGeom>
+        </p:spPr>
+        <p:txBody>
+          <a:bodyPr wrap="square">
+            <a:spAutoFit/>
+          </a:bodyPr>
+          <a:lstStyle/>
+          <a:p>
+            <a:r>
+              <a:rPr lang="en-US" i="1" dirty="0" smtClean="0"/>
+              <a:t>			first </a:t>
+            </a:r>
+            <a:r>
+              <a:rPr lang="en-US" i="1" dirty="0" err="1" smtClean="0"/>
+              <a:t>flexbox</a:t>
+            </a:r>
+            <a:r>
+              <a:rPr lang="en-US" i="1" dirty="0" smtClean="0"/>
+              <a:t>: html and </a:t>
+            </a:r>
+            <a:r>
+              <a:rPr lang="en-US" i="1" dirty="0" err="1" smtClean="0"/>
+              <a:t>css</a:t>
+            </a:r>
+            <a:r>
+              <a:rPr lang="en-US" i="1" dirty="0" smtClean="0"/>
+              <a:t> codes </a:t>
+            </a:r>
+            <a:endParaRPr lang="ru-RU" dirty="0"/>
+          </a:p>
+        </p:txBody>
+      </p:sp>
+    </p:spTree>
+    <p:extLst>
+      <p:ext uri="{BB962C8B-B14F-4D97-AF65-F5344CB8AC3E}">
+        <p14:creationId xmlns:p14="http://schemas.microsoft.com/office/powerpoint/2010/main" val="110403642"/>
+      </p:ext>
+    </p:extLst>
+  </p:cSld>
+  <p:clrMapOvr>
+    <a:masterClrMapping/>
+  </p:clrMapOvr>
+</p:sld>
+</file>
+
+<file path=ppt/slides/slide5.xml><?xml version="1.0" encoding="utf-8"?>
+<p:sld xmlns:a="http://schemas.openxmlformats.org/drawingml/2006/main" xmlns:r="http://schemas.openxmlformats.org/officeDocument/2006/relationships" xmlns:p="http://schemas.openxmlformats.org/presentationml/2006/main">
+  <p:cSld>
+    <p:spTree>
+      <p:nvGrpSpPr>
+        <p:cNvPr id="1" name=""/>
+        <p:cNvGrpSpPr/>
+        <p:nvPr/>
+      </p:nvGrpSpPr>
+      <p:grpSpPr>
+        <a:xfrm>
+          <a:off x="0" y="0"/>
+          <a:ext cx="0" cy="0"/>
+          <a:chOff x="0" y="0"/>
+          <a:chExt cx="0" cy="0"/>
+        </a:xfrm>
+      </p:grpSpPr>
+      <p:sp>
+        <p:nvSpPr>
+          <p:cNvPr id="2" name="Заголовок 1"/>
+          <p:cNvSpPr>
+            <a:spLocks noGrp="1"/>
+          </p:cNvSpPr>
+          <p:nvPr>
+            <p:ph type="title"/>
+          </p:nvPr>
+        </p:nvSpPr>
+        <p:spPr/>
+        <p:txBody>
+          <a:bodyPr>
+            <a:normAutofit/>
+          </a:bodyPr>
+          <a:lstStyle/>
+          <a:p>
+            <a:r>
+              <a:rPr lang="en-US" sz="2800" i="1" dirty="0"/>
+              <a:t>s</a:t>
+            </a:r>
+            <a:r>
+              <a:rPr lang="en-US" sz="2800" i="1" dirty="0" smtClean="0"/>
+              <a:t>econd </a:t>
+            </a:r>
+            <a:r>
+              <a:rPr lang="en-US" sz="2800" i="1" dirty="0" err="1" smtClean="0"/>
+              <a:t>flexbox</a:t>
+            </a:r>
+            <a:endParaRPr lang="ru-RU" sz="2800" i="1" dirty="0"/>
+          </a:p>
+        </p:txBody>
+      </p:sp>
+      <p:pic>
+        <p:nvPicPr>
+          <p:cNvPr id="4" name="Объект 3"/>
+          <p:cNvPicPr>
+            <a:picLocks noGrp="1" noChangeAspect="1"/>
+          </p:cNvPicPr>
+          <p:nvPr>
+            <p:ph idx="1"/>
+          </p:nvPr>
+        </p:nvPicPr>
+        <p:blipFill>
+          <a:blip r:embed="rId2"/>
+          <a:stretch>
+            <a:fillRect/>
+          </a:stretch>
+        </p:blipFill>
+        <p:spPr>
+          <a:xfrm>
+            <a:off x="4224337" y="136477"/>
+            <a:ext cx="5629347" cy="6428095"/>
+          </a:xfrm>
+          <a:prstGeom prst="rect">
+            <a:avLst/>
+          </a:prstGeom>
+        </p:spPr>
+      </p:pic>
+    </p:spTree>
+    <p:extLst>
+      <p:ext uri="{BB962C8B-B14F-4D97-AF65-F5344CB8AC3E}">
+        <p14:creationId xmlns:p14="http://schemas.microsoft.com/office/powerpoint/2010/main" val="2586961310"/>
+      </p:ext>
+    </p:extLst>
+  </p:cSld>
+  <p:clrMapOvr>
+    <a:masterClrMapping/>
+  </p:clrMapOvr>
+</p:sld>
+</file>
+
+<file path=ppt/slides/slide6.xml><?xml version="1.0" encoding="utf-8"?>
+<p:sld xmlns:a="http://schemas.openxmlformats.org/drawingml/2006/main" xmlns:r="http://schemas.openxmlformats.org/officeDocument/2006/relationships" xmlns:p="http://schemas.openxmlformats.org/presentationml/2006/main">
+  <p:cSld>
+    <p:spTree>
+      <p:nvGrpSpPr>
+        <p:cNvPr id="1" name=""/>
+        <p:cNvGrpSpPr/>
+        <p:nvPr/>
+      </p:nvGrpSpPr>
+      <p:grpSpPr>
+        <a:xfrm>
+          <a:off x="0" y="0"/>
+          <a:ext cx="0" cy="0"/>
+          <a:chOff x="0" y="0"/>
+          <a:chExt cx="0" cy="0"/>
+        </a:xfrm>
+      </p:grpSpPr>
+      <p:sp>
+        <p:nvSpPr>
+          <p:cNvPr id="2" name="Прямоугольник 1"/>
+          <p:cNvSpPr/>
+          <p:nvPr/>
+        </p:nvSpPr>
+        <p:spPr>
+          <a:xfrm>
+            <a:off x="696036" y="378304"/>
+            <a:ext cx="10440537" cy="369332"/>
+          </a:xfrm>
+          <a:prstGeom prst="rect">
+            <a:avLst/>
+          </a:prstGeom>
+        </p:spPr>
+        <p:txBody>
+          <a:bodyPr wrap="square">
+            <a:spAutoFit/>
+          </a:bodyPr>
+          <a:lstStyle/>
+          <a:p>
+            <a:r>
+              <a:rPr lang="en-US" i="1" dirty="0" smtClean="0"/>
+              <a:t>			second </a:t>
+            </a:r>
+            <a:r>
+              <a:rPr lang="en-US" i="1" dirty="0" err="1" smtClean="0"/>
+              <a:t>flexbox</a:t>
+            </a:r>
+            <a:r>
+              <a:rPr lang="en-US" i="1" dirty="0" smtClean="0"/>
+              <a:t>: html and </a:t>
+            </a:r>
+            <a:r>
+              <a:rPr lang="en-US" i="1" dirty="0" err="1" smtClean="0"/>
+              <a:t>css</a:t>
+            </a:r>
+            <a:r>
+              <a:rPr lang="en-US" i="1" dirty="0" smtClean="0"/>
+              <a:t> codes </a:t>
+            </a:r>
+            <a:endParaRPr lang="ru-RU" dirty="0"/>
+          </a:p>
+        </p:txBody>
+      </p:sp>
+      <p:pic>
+        <p:nvPicPr>
+          <p:cNvPr id="3" name="Рисунок 2"/>
+          <p:cNvPicPr>
+            <a:picLocks noChangeAspect="1"/>
+          </p:cNvPicPr>
+          <p:nvPr/>
+        </p:nvPicPr>
+        <p:blipFill>
+          <a:blip r:embed="rId2"/>
+          <a:stretch>
+            <a:fillRect/>
+          </a:stretch>
+        </p:blipFill>
+        <p:spPr>
+          <a:xfrm>
+            <a:off x="374319" y="1126367"/>
+            <a:ext cx="7867650" cy="1657350"/>
+          </a:xfrm>
+          <a:prstGeom prst="rect">
+            <a:avLst/>
+          </a:prstGeom>
+        </p:spPr>
+      </p:pic>
+      <p:pic>
+        <p:nvPicPr>
+          <p:cNvPr id="4" name="Рисунок 3"/>
+          <p:cNvPicPr>
+            <a:picLocks noChangeAspect="1"/>
+          </p:cNvPicPr>
+          <p:nvPr/>
+        </p:nvPicPr>
+        <p:blipFill rotWithShape="1">
+          <a:blip r:embed="rId3"/>
+          <a:srcRect b="1886"/>
+          <a:stretch/>
+        </p:blipFill>
+        <p:spPr>
+          <a:xfrm>
+            <a:off x="7942997" y="2169994"/>
+            <a:ext cx="2697708" cy="4367284"/>
+          </a:xfrm>
+          <a:prstGeom prst="rect">
+            <a:avLst/>
+          </a:prstGeom>
+        </p:spPr>
+      </p:pic>
+    </p:spTree>
+    <p:extLst>
+      <p:ext uri="{BB962C8B-B14F-4D97-AF65-F5344CB8AC3E}">
+        <p14:creationId xmlns:p14="http://schemas.microsoft.com/office/powerpoint/2010/main" val="3760880367"/>
+      </p:ext>
+    </p:extLst>
+  </p:cSld>
+  <p:clrMapOvr>
+    <a:masterClrMapping/>
+  </p:clrMapOvr>
+</p:sld>
+</file>
+
+<file path=ppt/slides/slide7.xml><?xml version="1.0" encoding="utf-8"?>
+<p:sld xmlns:a="http://schemas.openxmlformats.org/drawingml/2006/main" xmlns:r="http://schemas.openxmlformats.org/officeDocument/2006/relationships" xmlns:p="http://schemas.openxmlformats.org/presentationml/2006/main">
+  <p:cSld>
+    <p:spTree>
+      <p:nvGrpSpPr>
+        <p:cNvPr id="1" name=""/>
+        <p:cNvGrpSpPr/>
+        <p:nvPr/>
+      </p:nvGrpSpPr>
+      <p:grpSpPr>
+        <a:xfrm>
+          <a:off x="0" y="0"/>
+          <a:ext cx="0" cy="0"/>
+          <a:chOff x="0" y="0"/>
+          <a:chExt cx="0" cy="0"/>
+        </a:xfrm>
+      </p:grpSpPr>
+      <p:sp>
+        <p:nvSpPr>
+          <p:cNvPr id="2" name="Заголовок 1"/>
+          <p:cNvSpPr>
+            <a:spLocks noGrp="1"/>
+          </p:cNvSpPr>
+          <p:nvPr>
+            <p:ph type="title"/>
+          </p:nvPr>
+        </p:nvSpPr>
+        <p:spPr/>
+        <p:txBody>
+          <a:bodyPr>
+            <a:normAutofit fontScale="90000"/>
+          </a:bodyPr>
+          <a:lstStyle/>
+          <a:p>
+            <a:r>
+              <a:rPr lang="en-US" sz="3200" u="sng" dirty="0"/>
+              <a:t>3)Some HTML elements in project must be aligned by bootstrap grid system</a:t>
+            </a:r>
+            <a:r>
+              <a:rPr lang="en-US" sz="3200" u="sng" dirty="0" smtClean="0"/>
+              <a:t>.</a:t>
+            </a:r>
+            <a:br>
+              <a:rPr lang="en-US" sz="3200" u="sng" dirty="0" smtClean="0"/>
+            </a:br>
+            <a:r>
+              <a:rPr lang="en-US" sz="3200" i="1" dirty="0" smtClean="0"/>
+              <a:t>Carousel slides</a:t>
+            </a:r>
+            <a:endParaRPr lang="ru-RU" sz="3200" u="sng" dirty="0"/>
+          </a:p>
+        </p:txBody>
+      </p:sp>
+      <p:sp>
+        <p:nvSpPr>
+          <p:cNvPr id="3" name="Объект 2"/>
+          <p:cNvSpPr>
+            <a:spLocks noGrp="1"/>
+          </p:cNvSpPr>
+          <p:nvPr>
+            <p:ph idx="1"/>
+          </p:nvPr>
+        </p:nvSpPr>
+        <p:spPr/>
+        <p:txBody>
+          <a:bodyPr/>
+          <a:lstStyle/>
+          <a:p>
+            <a:endParaRPr lang="ru-RU"/>
+          </a:p>
+        </p:txBody>
+      </p:sp>
+      <p:pic>
+        <p:nvPicPr>
+          <p:cNvPr id="4" name="Рисунок 3"/>
+          <p:cNvPicPr>
+            <a:picLocks noChangeAspect="1"/>
+          </p:cNvPicPr>
+          <p:nvPr/>
+        </p:nvPicPr>
+        <p:blipFill>
+          <a:blip r:embed="rId2"/>
+          <a:stretch>
+            <a:fillRect/>
+          </a:stretch>
+        </p:blipFill>
+        <p:spPr>
+          <a:xfrm>
+            <a:off x="602776" y="1690689"/>
+            <a:ext cx="10986448" cy="5167312"/>
+          </a:xfrm>
+          <a:prstGeom prst="rect">
+            <a:avLst/>
+          </a:prstGeom>
+        </p:spPr>
+      </p:pic>
+    </p:spTree>
+    <p:extLst>
+      <p:ext uri="{BB962C8B-B14F-4D97-AF65-F5344CB8AC3E}">
+        <p14:creationId xmlns:p14="http://schemas.microsoft.com/office/powerpoint/2010/main" val="321274546"/>
+      </p:ext>
+    </p:extLst>
+  </p:cSld>
+  <p:clrMapOvr>
+    <a:masterClrMapping/>
+  </p:clrMapOvr>
+</p:sld>
+</file>
+
+<file path=ppt/slides/slide8.xml><?xml version="1.0" encoding="utf-8"?>
+<p:sld xmlns:a="http://schemas.openxmlformats.org/drawingml/2006/main" xmlns:r="http://schemas.openxmlformats.org/officeDocument/2006/relationships" xmlns:p="http://schemas.openxmlformats.org/presentationml/2006/main">
+  <p:cSld>
+    <p:spTree>
+      <p:nvGrpSpPr>
+        <p:cNvPr id="1" name=""/>
+        <p:cNvGrpSpPr/>
+        <p:nvPr/>
+      </p:nvGrpSpPr>
+      <p:grpSpPr>
+        <a:xfrm>
+          <a:off x="0" y="0"/>
+          <a:ext cx="0" cy="0"/>
+          <a:chOff x="0" y="0"/>
+          <a:chExt cx="0" cy="0"/>
+        </a:xfrm>
+      </p:grpSpPr>
+      <p:sp>
+        <p:nvSpPr>
+          <p:cNvPr id="2" name="Заголовок 1"/>
+          <p:cNvSpPr>
+            <a:spLocks noGrp="1"/>
+          </p:cNvSpPr>
+          <p:nvPr>
+            <p:ph type="title"/>
+          </p:nvPr>
+        </p:nvSpPr>
+        <p:spPr/>
+        <p:txBody>
+          <a:bodyPr>
+            <a:normAutofit/>
+          </a:bodyPr>
+          <a:lstStyle/>
+          <a:p>
+            <a:r>
+              <a:rPr lang="en-US" sz="3200" i="1" dirty="0"/>
+              <a:t>Carousel </a:t>
+            </a:r>
+            <a:r>
+              <a:rPr lang="en-US" sz="3200" i="1" dirty="0" smtClean="0"/>
+              <a:t>slides: html and </a:t>
+            </a:r>
+            <a:r>
+              <a:rPr lang="en-US" sz="3200" i="1" dirty="0" err="1" smtClean="0"/>
+              <a:t>css</a:t>
+            </a:r>
+            <a:r>
+              <a:rPr lang="en-US" sz="3200" i="1" dirty="0" smtClean="0"/>
+              <a:t> code.</a:t>
+            </a:r>
+            <a:endParaRPr lang="ru-RU" sz="3200" dirty="0"/>
+          </a:p>
+        </p:txBody>
+      </p:sp>
+      <p:sp>
+        <p:nvSpPr>
+          <p:cNvPr id="3" name="Объект 2"/>
+          <p:cNvSpPr>
+            <a:spLocks noGrp="1"/>
+          </p:cNvSpPr>
+          <p:nvPr>
+            <p:ph idx="1"/>
+          </p:nvPr>
+        </p:nvSpPr>
+        <p:spPr/>
+        <p:txBody>
+          <a:bodyPr/>
+          <a:lstStyle/>
+          <a:p>
+            <a:endParaRPr lang="ru-RU"/>
+          </a:p>
+        </p:txBody>
+      </p:sp>
+      <p:pic>
+        <p:nvPicPr>
+          <p:cNvPr id="4" name="Рисунок 3"/>
+          <p:cNvPicPr>
+            <a:picLocks noChangeAspect="1"/>
+          </p:cNvPicPr>
+          <p:nvPr/>
+        </p:nvPicPr>
+        <p:blipFill>
+          <a:blip r:embed="rId2"/>
+          <a:stretch>
+            <a:fillRect/>
+          </a:stretch>
+        </p:blipFill>
+        <p:spPr>
+          <a:xfrm>
+            <a:off x="136194" y="1825625"/>
+            <a:ext cx="8343900" cy="4876800"/>
+          </a:xfrm>
+          <a:prstGeom prst="rect">
+            <a:avLst/>
+          </a:prstGeom>
+        </p:spPr>
+      </p:pic>
+      <p:pic>
+        <p:nvPicPr>
+          <p:cNvPr id="5" name="Рисунок 4"/>
+          <p:cNvPicPr>
+            <a:picLocks noChangeAspect="1"/>
+          </p:cNvPicPr>
+          <p:nvPr/>
+        </p:nvPicPr>
+        <p:blipFill>
+          <a:blip r:embed="rId3"/>
+          <a:stretch>
+            <a:fillRect/>
+          </a:stretch>
+        </p:blipFill>
+        <p:spPr>
+          <a:xfrm>
+            <a:off x="9062113" y="3317128"/>
+            <a:ext cx="2565779" cy="2196567"/>
+          </a:xfrm>
+          <a:prstGeom prst="rect">
+            <a:avLst/>
+          </a:prstGeom>
+        </p:spPr>
+      </p:pic>
+    </p:spTree>
+    <p:extLst>
+      <p:ext uri="{BB962C8B-B14F-4D97-AF65-F5344CB8AC3E}">
+        <p14:creationId xmlns:p14="http://schemas.microsoft.com/office/powerpoint/2010/main" val="2837964400"/>
+      </p:ext>
+    </p:extLst>
+  </p:cSld>
+  <p:clrMapOvr>
+    <a:masterClrMapping/>
+  </p:clrMapOvr>
+</p:sld>
+</file>
+
+<file path=ppt/slides/slide9.xml><?xml version="1.0" encoding="utf-8"?>
+<p:sld xmlns:a="http://schemas.openxmlformats.org/drawingml/2006/main" xmlns:r="http://schemas.openxmlformats.org/officeDocument/2006/relationships" xmlns:p="http://schemas.openxmlformats.org/presentationml/2006/main">
+  <p:cSld>
+    <p:spTree>
+      <p:nvGrpSpPr>
+        <p:cNvPr id="1" name=""/>
+        <p:cNvGrpSpPr/>
+        <p:nvPr/>
+      </p:nvGrpSpPr>
+      <p:grpSpPr>
+        <a:xfrm>
+          <a:off x="0" y="0"/>
+          <a:ext cx="0" cy="0"/>
+          <a:chOff x="0" y="0"/>
+          <a:chExt cx="0" cy="0"/>
+        </a:xfrm>
+      </p:grpSpPr>
+      <p:sp>
+        <p:nvSpPr>
+          <p:cNvPr id="2" name="Заголовок 1"/>
+          <p:cNvSpPr>
+            <a:spLocks noGrp="1"/>
+          </p:cNvSpPr>
+          <p:nvPr>
+            <p:ph type="title"/>
+          </p:nvPr>
+        </p:nvSpPr>
+        <p:spPr>
+          <a:xfrm>
+            <a:off x="838200" y="-136477"/>
+            <a:ext cx="10515600" cy="907576"/>
+          </a:xfrm>
+        </p:spPr>
+        <p:txBody>
+          <a:bodyPr>
+            <a:normAutofit/>
+          </a:bodyPr>
+          <a:lstStyle/>
+          <a:p>
+            <a:r>
+              <a:rPr lang="en-US" sz="2800" i="1" dirty="0" smtClean="0"/>
+              <a:t>Contact us made by bootstrap grid system</a:t>
+            </a:r>
+            <a:endParaRPr lang="ru-RU" sz="2800" i="1" dirty="0"/>
+          </a:p>
+        </p:txBody>
+      </p:sp>
+      <p:sp>
+        <p:nvSpPr>
+          <p:cNvPr id="3" name="Объект 2"/>
+          <p:cNvSpPr>
+            <a:spLocks noGrp="1"/>
+          </p:cNvSpPr>
+          <p:nvPr>
+            <p:ph idx="1"/>
+          </p:nvPr>
+        </p:nvSpPr>
+        <p:spPr/>
+        <p:txBody>
+          <a:bodyPr/>
+          <a:lstStyle/>
+          <a:p>
+            <a:endParaRPr lang="ru-RU"/>
+          </a:p>
+        </p:txBody>
+      </p:sp>
+      <p:pic>
+        <p:nvPicPr>
+          <p:cNvPr id="4" name="Рисунок 3"/>
+          <p:cNvPicPr>
+            <a:picLocks noChangeAspect="1"/>
+          </p:cNvPicPr>
+          <p:nvPr/>
+        </p:nvPicPr>
+        <p:blipFill rotWithShape="1">
+          <a:blip r:embed="rId2"/>
+          <a:srcRect l="7656" r="7160"/>
+          <a:stretch/>
+        </p:blipFill>
+        <p:spPr>
+          <a:xfrm>
+            <a:off x="408295" y="771099"/>
+            <a:ext cx="10945505" cy="5943600"/>
+          </a:xfrm>
+          <a:prstGeom prst="rect">
+            <a:avLst/>
+          </a:prstGeom>
+        </p:spPr>
+      </p:pic>
+    </p:spTree>
+    <p:extLst>
+      <p:ext uri="{BB962C8B-B14F-4D97-AF65-F5344CB8AC3E}">
+        <p14:creationId xmlns:p14="http://schemas.microsoft.com/office/powerpoint/2010/main" val="594861426"/>
       </p:ext>
     </p:extLst>
   </p:cSld>

--- a/project2.pptx
+++ b/project2.pptx
@@ -269,7 +269,7 @@
           <a:p>
             <a:fld id="{777B91B0-B13C-43BA-B8D2-26A65DF72FF9}" type="datetimeFigureOut">
               <a:rPr lang="ru-RU" smtClean="0"/>
-              <a:t>18.10.2021</a:t>
+              <a:t>19.10.2021</a:t>
             </a:fld>
             <a:endParaRPr lang="ru-RU"/>
           </a:p>
@@ -439,7 +439,7 @@
           <a:p>
             <a:fld id="{777B91B0-B13C-43BA-B8D2-26A65DF72FF9}" type="datetimeFigureOut">
               <a:rPr lang="ru-RU" smtClean="0"/>
-              <a:t>18.10.2021</a:t>
+              <a:t>19.10.2021</a:t>
             </a:fld>
             <a:endParaRPr lang="ru-RU"/>
           </a:p>
@@ -619,7 +619,7 @@
           <a:p>
             <a:fld id="{777B91B0-B13C-43BA-B8D2-26A65DF72FF9}" type="datetimeFigureOut">
               <a:rPr lang="ru-RU" smtClean="0"/>
-              <a:t>18.10.2021</a:t>
+              <a:t>19.10.2021</a:t>
             </a:fld>
             <a:endParaRPr lang="ru-RU"/>
           </a:p>
@@ -789,7 +789,7 @@
           <a:p>
             <a:fld id="{777B91B0-B13C-43BA-B8D2-26A65DF72FF9}" type="datetimeFigureOut">
               <a:rPr lang="ru-RU" smtClean="0"/>
-              <a:t>18.10.2021</a:t>
+              <a:t>19.10.2021</a:t>
             </a:fld>
             <a:endParaRPr lang="ru-RU"/>
           </a:p>
@@ -1035,7 +1035,7 @@
           <a:p>
             <a:fld id="{777B91B0-B13C-43BA-B8D2-26A65DF72FF9}" type="datetimeFigureOut">
               <a:rPr lang="ru-RU" smtClean="0"/>
-              <a:t>18.10.2021</a:t>
+              <a:t>19.10.2021</a:t>
             </a:fld>
             <a:endParaRPr lang="ru-RU"/>
           </a:p>
@@ -1267,7 +1267,7 @@
           <a:p>
             <a:fld id="{777B91B0-B13C-43BA-B8D2-26A65DF72FF9}" type="datetimeFigureOut">
               <a:rPr lang="ru-RU" smtClean="0"/>
-              <a:t>18.10.2021</a:t>
+              <a:t>19.10.2021</a:t>
             </a:fld>
             <a:endParaRPr lang="ru-RU"/>
           </a:p>
@@ -1634,7 +1634,7 @@
           <a:p>
             <a:fld id="{777B91B0-B13C-43BA-B8D2-26A65DF72FF9}" type="datetimeFigureOut">
               <a:rPr lang="ru-RU" smtClean="0"/>
-              <a:t>18.10.2021</a:t>
+              <a:t>19.10.2021</a:t>
             </a:fld>
             <a:endParaRPr lang="ru-RU"/>
           </a:p>
@@ -1752,7 +1752,7 @@
           <a:p>
             <a:fld id="{777B91B0-B13C-43BA-B8D2-26A65DF72FF9}" type="datetimeFigureOut">
               <a:rPr lang="ru-RU" smtClean="0"/>
-              <a:t>18.10.2021</a:t>
+              <a:t>19.10.2021</a:t>
             </a:fld>
             <a:endParaRPr lang="ru-RU"/>
           </a:p>
@@ -1847,7 +1847,7 @@
           <a:p>
             <a:fld id="{777B91B0-B13C-43BA-B8D2-26A65DF72FF9}" type="datetimeFigureOut">
               <a:rPr lang="ru-RU" smtClean="0"/>
-              <a:t>18.10.2021</a:t>
+              <a:t>19.10.2021</a:t>
             </a:fld>
             <a:endParaRPr lang="ru-RU"/>
           </a:p>
@@ -2124,7 +2124,7 @@
           <a:p>
             <a:fld id="{777B91B0-B13C-43BA-B8D2-26A65DF72FF9}" type="datetimeFigureOut">
               <a:rPr lang="ru-RU" smtClean="0"/>
-              <a:t>18.10.2021</a:t>
+              <a:t>19.10.2021</a:t>
             </a:fld>
             <a:endParaRPr lang="ru-RU"/>
           </a:p>
@@ -2377,7 +2377,7 @@
           <a:p>
             <a:fld id="{777B91B0-B13C-43BA-B8D2-26A65DF72FF9}" type="datetimeFigureOut">
               <a:rPr lang="ru-RU" smtClean="0"/>
-              <a:t>18.10.2021</a:t>
+              <a:t>19.10.2021</a:t>
             </a:fld>
             <a:endParaRPr lang="ru-RU"/>
           </a:p>
@@ -2590,7 +2590,7 @@
           <a:p>
             <a:fld id="{777B91B0-B13C-43BA-B8D2-26A65DF72FF9}" type="datetimeFigureOut">
               <a:rPr lang="ru-RU" smtClean="0"/>
-              <a:t>18.10.2021</a:t>
+              <a:t>19.10.2021</a:t>
             </a:fld>
             <a:endParaRPr lang="ru-RU"/>
           </a:p>
@@ -5411,13 +5411,6 @@
               <a:rPr lang="en-US" sz="3200" u="sng" dirty="0" smtClean="0"/>
             </a:br>
             <a:r>
-              <a:rPr lang="en-US" sz="3200" u="sng" dirty="0"/>
-              <a:t/>
-            </a:r>
-            <a:br>
-              <a:rPr lang="en-US" sz="3200" u="sng" dirty="0"/>
-            </a:br>
-            <a:r>
               <a:rPr lang="en-US" sz="3200" i="1" dirty="0" err="1" smtClean="0"/>
               <a:t>Tanbayeva</a:t>
             </a:r>
@@ -5431,7 +5424,18 @@
             </a:r>
             <a:r>
               <a:rPr lang="en-US" sz="3200" i="1" dirty="0" smtClean="0"/>
-              <a:t> repository</a:t>
+              <a:t> </a:t>
+            </a:r>
+            <a:r>
+              <a:rPr lang="en-US" sz="3200" i="1" dirty="0" smtClean="0"/>
+              <a:t>repository</a:t>
+            </a:r>
+            <a:br>
+              <a:rPr lang="en-US" sz="3200" i="1" dirty="0" smtClean="0"/>
+            </a:br>
+            <a:r>
+              <a:rPr lang="en-US" sz="3200" i="1" dirty="0"/>
+              <a:t>link: https://github.com/tanbayevagulnara/project-2</a:t>
             </a:r>
             <a:endParaRPr lang="ru-RU" sz="3200" i="1" u="sng" dirty="0"/>
           </a:p>

--- a/project2.pptx
+++ b/project2.pptx
@@ -3082,6 +3082,13 @@
   <p:clrMapOvr>
     <a:masterClrMapping/>
   </p:clrMapOvr>
+  <p:timing>
+    <p:tnLst>
+      <p:par>
+        <p:cTn id="1" dur="indefinite" restart="never" nodeType="tmRoot"/>
+      </p:par>
+    </p:tnLst>
+  </p:timing>
 </p:sld>
 </file>
 
@@ -3212,6 +3219,13 @@
   <p:clrMapOvr>
     <a:masterClrMapping/>
   </p:clrMapOvr>
+  <p:timing>
+    <p:tnLst>
+      <p:par>
+        <p:cTn id="1" dur="indefinite" restart="never" nodeType="tmRoot"/>
+      </p:par>
+    </p:tnLst>
+  </p:timing>
 </p:sld>
 </file>
 
@@ -3312,6 +3326,13 @@
   <p:clrMapOvr>
     <a:masterClrMapping/>
   </p:clrMapOvr>
+  <p:timing>
+    <p:tnLst>
+      <p:par>
+        <p:cTn id="1" dur="indefinite" restart="never" nodeType="tmRoot"/>
+      </p:par>
+    </p:tnLst>
+  </p:timing>
 </p:sld>
 </file>
 
@@ -3444,6 +3465,13 @@
   <p:clrMapOvr>
     <a:masterClrMapping/>
   </p:clrMapOvr>
+  <p:timing>
+    <p:tnLst>
+      <p:par>
+        <p:cTn id="1" dur="indefinite" restart="never" nodeType="tmRoot"/>
+      </p:par>
+    </p:tnLst>
+  </p:timing>
 </p:sld>
 </file>
 
@@ -3606,6 +3634,13 @@
   <p:clrMapOvr>
     <a:masterClrMapping/>
   </p:clrMapOvr>
+  <p:timing>
+    <p:tnLst>
+      <p:par>
+        <p:cTn id="1" dur="indefinite" restart="never" nodeType="tmRoot"/>
+      </p:par>
+    </p:tnLst>
+  </p:timing>
 </p:sld>
 </file>
 
@@ -3735,6 +3770,13 @@
   <p:clrMapOvr>
     <a:masterClrMapping/>
   </p:clrMapOvr>
+  <p:timing>
+    <p:tnLst>
+      <p:par>
+        <p:cTn id="1" dur="indefinite" restart="never" nodeType="tmRoot"/>
+      </p:par>
+    </p:tnLst>
+  </p:timing>
 </p:sld>
 </file>
 
@@ -3848,6 +3890,13 @@
   <p:clrMapOvr>
     <a:masterClrMapping/>
   </p:clrMapOvr>
+  <p:timing>
+    <p:tnLst>
+      <p:par>
+        <p:cTn id="1" dur="indefinite" restart="never" nodeType="tmRoot"/>
+      </p:par>
+    </p:tnLst>
+  </p:timing>
 </p:sld>
 </file>
 
@@ -3970,6 +4019,13 @@
   <p:clrMapOvr>
     <a:masterClrMapping/>
   </p:clrMapOvr>
+  <p:timing>
+    <p:tnLst>
+      <p:par>
+        <p:cTn id="1" dur="indefinite" restart="never" nodeType="tmRoot"/>
+      </p:par>
+    </p:tnLst>
+  </p:timing>
 </p:sld>
 </file>
 
@@ -4094,6 +4150,13 @@
   <p:clrMapOvr>
     <a:masterClrMapping/>
   </p:clrMapOvr>
+  <p:timing>
+    <p:tnLst>
+      <p:par>
+        <p:cTn id="1" dur="indefinite" restart="never" nodeType="tmRoot"/>
+      </p:par>
+    </p:tnLst>
+  </p:timing>
 </p:sld>
 </file>
 
@@ -4192,6 +4255,13 @@
   <p:clrMapOvr>
     <a:masterClrMapping/>
   </p:clrMapOvr>
+  <p:timing>
+    <p:tnLst>
+      <p:par>
+        <p:cTn id="1" dur="indefinite" restart="never" nodeType="tmRoot"/>
+      </p:par>
+    </p:tnLst>
+  </p:timing>
 </p:sld>
 </file>
 
@@ -4448,6 +4518,13 @@
   <p:clrMapOvr>
     <a:masterClrMapping/>
   </p:clrMapOvr>
+  <p:timing>
+    <p:tnLst>
+      <p:par>
+        <p:cTn id="1" dur="indefinite" restart="never" nodeType="tmRoot"/>
+      </p:par>
+    </p:tnLst>
+  </p:timing>
 </p:sld>
 </file>
 
@@ -4540,6 +4617,13 @@
   <p:clrMapOvr>
     <a:masterClrMapping/>
   </p:clrMapOvr>
+  <p:timing>
+    <p:tnLst>
+      <p:par>
+        <p:cTn id="1" dur="indefinite" restart="never" nodeType="tmRoot"/>
+      </p:par>
+    </p:tnLst>
+  </p:timing>
 </p:sld>
 </file>
 
@@ -4672,6 +4756,13 @@
   <p:clrMapOvr>
     <a:masterClrMapping/>
   </p:clrMapOvr>
+  <p:timing>
+    <p:tnLst>
+      <p:par>
+        <p:cTn id="1" dur="indefinite" restart="never" nodeType="tmRoot"/>
+      </p:par>
+    </p:tnLst>
+  </p:timing>
 </p:sld>
 </file>
 
@@ -4815,6 +4906,13 @@
   <p:clrMapOvr>
     <a:masterClrMapping/>
   </p:clrMapOvr>
+  <p:timing>
+    <p:tnLst>
+      <p:par>
+        <p:cTn id="1" dur="indefinite" restart="never" nodeType="tmRoot"/>
+      </p:par>
+    </p:tnLst>
+  </p:timing>
 </p:sld>
 </file>
 
@@ -4950,6 +5048,13 @@
   <p:clrMapOvr>
     <a:masterClrMapping/>
   </p:clrMapOvr>
+  <p:timing>
+    <p:tnLst>
+      <p:par>
+        <p:cTn id="1" dur="indefinite" restart="never" nodeType="tmRoot"/>
+      </p:par>
+    </p:tnLst>
+  </p:timing>
 </p:sld>
 </file>
 
@@ -5100,6 +5205,13 @@
   <p:clrMapOvr>
     <a:masterClrMapping/>
   </p:clrMapOvr>
+  <p:timing>
+    <p:tnLst>
+      <p:par>
+        <p:cTn id="1" dur="indefinite" restart="never" nodeType="tmRoot"/>
+      </p:par>
+    </p:tnLst>
+  </p:timing>
 </p:sld>
 </file>
 
@@ -5227,6 +5339,13 @@
   <p:clrMapOvr>
     <a:masterClrMapping/>
   </p:clrMapOvr>
+  <p:timing>
+    <p:tnLst>
+      <p:par>
+        <p:cTn id="1" dur="indefinite" restart="never" nodeType="tmRoot"/>
+      </p:par>
+    </p:tnLst>
+  </p:timing>
 </p:sld>
 </file>
 
@@ -5354,6 +5473,13 @@
   <p:clrMapOvr>
     <a:masterClrMapping/>
   </p:clrMapOvr>
+  <p:timing>
+    <p:tnLst>
+      <p:par>
+        <p:cTn id="1" dur="indefinite" restart="never" nodeType="tmRoot"/>
+      </p:par>
+    </p:tnLst>
+  </p:timing>
 </p:sld>
 </file>
 
@@ -5424,11 +5550,7 @@
             </a:r>
             <a:r>
               <a:rPr lang="en-US" sz="3200" i="1" dirty="0" smtClean="0"/>
-              <a:t> </a:t>
-            </a:r>
-            <a:r>
-              <a:rPr lang="en-US" sz="3200" i="1" dirty="0" smtClean="0"/>
-              <a:t>repository</a:t>
+              <a:t> repository</a:t>
             </a:r>
             <a:br>
               <a:rPr lang="en-US" sz="3200" i="1" dirty="0" smtClean="0"/>
@@ -5477,6 +5599,13 @@
   <p:clrMapOvr>
     <a:masterClrMapping/>
   </p:clrMapOvr>
+  <p:timing>
+    <p:tnLst>
+      <p:par>
+        <p:cTn id="1" dur="indefinite" restart="never" nodeType="tmRoot"/>
+      </p:par>
+    </p:tnLst>
+  </p:timing>
 </p:sld>
 </file>
 
@@ -5528,7 +5657,22 @@
             </a:r>
             <a:r>
               <a:rPr lang="en-US" sz="3200" i="1" dirty="0" smtClean="0"/>
-              <a:t> repository</a:t>
+              <a:t> </a:t>
+            </a:r>
+            <a:r>
+              <a:rPr lang="en-US" sz="3200" i="1" dirty="0" smtClean="0"/>
+              <a:t>repository</a:t>
+            </a:r>
+            <a:r>
+              <a:rPr lang="ru-RU" sz="3200" i="1" dirty="0" smtClean="0"/>
+              <a:t/>
+            </a:r>
+            <a:br>
+              <a:rPr lang="ru-RU" sz="3200" i="1" dirty="0" smtClean="0"/>
+            </a:br>
+            <a:r>
+              <a:rPr lang="en-US" sz="3200" i="1" dirty="0"/>
+              <a:t>link: https://github.com/KiritoKunTi/full_project_2</a:t>
             </a:r>
             <a:endParaRPr lang="ru-RU" sz="3200" i="1" dirty="0"/>
           </a:p>
@@ -5553,6 +5697,30 @@
           </a:p>
         </p:txBody>
       </p:sp>
+      <p:pic>
+        <p:nvPicPr>
+          <p:cNvPr id="4" name="Рисунок 3"/>
+          <p:cNvPicPr>
+            <a:picLocks noChangeAspect="1"/>
+          </p:cNvPicPr>
+          <p:nvPr/>
+        </p:nvPicPr>
+        <p:blipFill>
+          <a:blip r:embed="rId2"/>
+          <a:stretch>
+            <a:fillRect/>
+          </a:stretch>
+        </p:blipFill>
+        <p:spPr>
+          <a:xfrm>
+            <a:off x="984416" y="1485900"/>
+            <a:ext cx="9267825" cy="5372100"/>
+          </a:xfrm>
+          <a:prstGeom prst="rect">
+            <a:avLst/>
+          </a:prstGeom>
+        </p:spPr>
+      </p:pic>
     </p:spTree>
     <p:extLst>
       <p:ext uri="{BB962C8B-B14F-4D97-AF65-F5344CB8AC3E}">
@@ -5563,6 +5731,13 @@
   <p:clrMapOvr>
     <a:masterClrMapping/>
   </p:clrMapOvr>
+  <p:timing>
+    <p:tnLst>
+      <p:par>
+        <p:cTn id="1" dur="indefinite" restart="never" nodeType="tmRoot"/>
+      </p:par>
+    </p:tnLst>
+  </p:timing>
 </p:sld>
 </file>
 
@@ -5694,6 +5869,13 @@
   <p:clrMapOvr>
     <a:masterClrMapping/>
   </p:clrMapOvr>
+  <p:timing>
+    <p:tnLst>
+      <p:par>
+        <p:cTn id="1" dur="indefinite" restart="never" nodeType="tmRoot"/>
+      </p:par>
+    </p:tnLst>
+  </p:timing>
 </p:sld>
 </file>
 
@@ -5817,6 +5999,13 @@
   <p:clrMapOvr>
     <a:masterClrMapping/>
   </p:clrMapOvr>
+  <p:timing>
+    <p:tnLst>
+      <p:par>
+        <p:cTn id="1" dur="indefinite" restart="never" nodeType="tmRoot"/>
+      </p:par>
+    </p:tnLst>
+  </p:timing>
 </p:sld>
 </file>
 
@@ -5906,6 +6095,13 @@
   <p:clrMapOvr>
     <a:masterClrMapping/>
   </p:clrMapOvr>
+  <p:timing>
+    <p:tnLst>
+      <p:par>
+        <p:cTn id="1" dur="indefinite" restart="never" nodeType="tmRoot"/>
+      </p:par>
+    </p:tnLst>
+  </p:timing>
 </p:sld>
 </file>
 
@@ -6028,6 +6224,13 @@
   <p:clrMapOvr>
     <a:masterClrMapping/>
   </p:clrMapOvr>
+  <p:timing>
+    <p:tnLst>
+      <p:par>
+        <p:cTn id="1" dur="indefinite" restart="never" nodeType="tmRoot"/>
+      </p:par>
+    </p:tnLst>
+  </p:timing>
 </p:sld>
 </file>
 
@@ -6137,6 +6340,13 @@
   <p:clrMapOvr>
     <a:masterClrMapping/>
   </p:clrMapOvr>
+  <p:timing>
+    <p:tnLst>
+      <p:par>
+        <p:cTn id="1" dur="indefinite" restart="never" nodeType="tmRoot"/>
+      </p:par>
+    </p:tnLst>
+  </p:timing>
 </p:sld>
 </file>
 
@@ -6271,6 +6481,13 @@
   <p:clrMapOvr>
     <a:masterClrMapping/>
   </p:clrMapOvr>
+  <p:timing>
+    <p:tnLst>
+      <p:par>
+        <p:cTn id="1" dur="indefinite" restart="never" nodeType="tmRoot"/>
+      </p:par>
+    </p:tnLst>
+  </p:timing>
 </p:sld>
 </file>
 
@@ -6373,6 +6590,13 @@
   <p:clrMapOvr>
     <a:masterClrMapping/>
   </p:clrMapOvr>
+  <p:timing>
+    <p:tnLst>
+      <p:par>
+        <p:cTn id="1" dur="indefinite" restart="never" nodeType="tmRoot"/>
+      </p:par>
+    </p:tnLst>
+  </p:timing>
 </p:sld>
 </file>
 
